--- a/DB_Schema.pptx
+++ b/DB_Schema.pptx
@@ -5,8 +5,8 @@
     <p:sldMasterId id="2147483648" r:id="rId1"/>
   </p:sldMasterIdLst>
   <p:sldIdLst>
-    <p:sldId id="256" r:id="rId6"/>
-    <p:sldId id="257" r:id="rId7"/>
+    <p:sldId id="256" r:id="rId2"/>
+    <p:sldId id="257" r:id="rId3"/>
   </p:sldIdLst>
   <p:sldSz cx="12192000" cy="6858000"/>
   <p:notesSz cx="12192000" cy="6858000"/>
@@ -15,11 +15,27 @@
       <a:defRPr kern="0"/>
     </a:defPPr>
   </p:defaultTextStyle>
+  <p:extLst>
+    <p:ext uri="{EFAFB233-063F-42B5-8137-9DF3F51BA10A}">
+      <p15:sldGuideLst xmlns:p15="http://schemas.microsoft.com/office/powerpoint/2012/main">
+        <p15:guide id="1" orient="horz" pos="2880">
+          <p15:clr>
+            <a:srgbClr val="A4A3A4"/>
+          </p15:clr>
+        </p15:guide>
+        <p15:guide id="2" pos="2160">
+          <p15:clr>
+            <a:srgbClr val="A4A3A4"/>
+          </p15:clr>
+        </p15:guide>
+      </p15:sldGuideLst>
+    </p:ext>
+  </p:extLst>
 </p:presentation>
 </file>
 
 <file path=ppt/slideLayouts/slideLayout1.xml><?xml version="1.0" encoding="utf-8"?>
-<p:sldLayout xmlns:a="http://schemas.openxmlformats.org/drawingml/2006/main" xmlns:r="http://schemas.openxmlformats.org/officeDocument/2006/relationships" xmlns:p="http://schemas.openxmlformats.org/presentationml/2006/main" preserve="1" type="obj">
+<p:sldLayout xmlns:a="http://schemas.openxmlformats.org/drawingml/2006/main" xmlns:r="http://schemas.openxmlformats.org/officeDocument/2006/relationships" xmlns:p="http://schemas.openxmlformats.org/presentationml/2006/main" type="obj" preserve="1">
   <p:cSld name="Title Slide">
     <p:spTree>
       <p:nvGrpSpPr>
@@ -63,7 +79,9 @@
               <a:defRPr/>
             </a:lvl1pPr>
           </a:lstStyle>
-          <a:p/>
+          <a:p>
+            <a:endParaRPr/>
+          </a:p>
         </p:txBody>
       </p:sp>
       <p:sp>
@@ -94,7 +112,9 @@
               <a:defRPr/>
             </a:lvl1pPr>
           </a:lstStyle>
-          <a:p/>
+          <a:p>
+            <a:endParaRPr/>
+          </a:p>
         </p:txBody>
       </p:sp>
       <p:sp>
@@ -104,7 +124,7 @@
             <a:spLocks noGrp="1"/>
           </p:cNvSpPr>
           <p:nvPr>
-            <p:ph type="ftr" idx="5" sz="quarter"/>
+            <p:ph type="ftr" sz="quarter" idx="5"/>
           </p:nvPr>
         </p:nvSpPr>
         <p:spPr/>
@@ -121,7 +141,9 @@
               </a:defRPr>
             </a:lvl1pPr>
           </a:lstStyle>
-          <a:p/>
+          <a:p>
+            <a:endParaRPr/>
+          </a:p>
         </p:txBody>
       </p:sp>
       <p:sp>
@@ -131,7 +153,7 @@
             <a:spLocks noGrp="1"/>
           </p:cNvSpPr>
           <p:nvPr>
-            <p:ph type="dt" idx="6" sz="half"/>
+            <p:ph type="dt" sz="half" idx="6"/>
           </p:nvPr>
         </p:nvSpPr>
         <p:spPr/>
@@ -151,7 +173,9 @@
           <a:p>
             <a:fld id="{1D8BD707-D9CF-40AE-B4C6-C98DA3205C09}" type="datetimeFigureOut">
               <a:rPr lang="en-US"/>
+              <a:t>4/29/2023</a:t>
             </a:fld>
+            <a:endParaRPr lang="en-US"/>
           </a:p>
         </p:txBody>
       </p:sp>
@@ -162,7 +186,7 @@
             <a:spLocks noGrp="1"/>
           </p:cNvSpPr>
           <p:nvPr>
-            <p:ph type="sldNum" idx="7" sz="quarter"/>
+            <p:ph type="sldNum" sz="quarter" idx="7"/>
           </p:nvPr>
         </p:nvSpPr>
         <p:spPr/>
@@ -181,8 +205,9 @@
           </a:lstStyle>
           <a:p>
             <a:fld id="{B6F15528-21DE-4FAA-801E-634DDDAF4B2B}" type="slidenum">
-              <a:t>#</a:t>
+              <a:t>‹#›</a:t>
             </a:fld>
+            <a:endParaRPr/>
           </a:p>
         </p:txBody>
       </p:sp>
@@ -195,7 +220,7 @@
 </file>
 
 <file path=ppt/slideLayouts/slideLayout2.xml><?xml version="1.0" encoding="utf-8"?>
-<p:sldLayout xmlns:a="http://schemas.openxmlformats.org/drawingml/2006/main" xmlns:r="http://schemas.openxmlformats.org/officeDocument/2006/relationships" xmlns:p="http://schemas.openxmlformats.org/presentationml/2006/main" preserve="1" type="obj">
+<p:sldLayout xmlns:a="http://schemas.openxmlformats.org/drawingml/2006/main" xmlns:r="http://schemas.openxmlformats.org/officeDocument/2006/relationships" xmlns:p="http://schemas.openxmlformats.org/presentationml/2006/main" type="obj" preserve="1">
   <p:cSld name="Title and Content">
     <p:spTree>
       <p:nvGrpSpPr>
@@ -229,7 +254,9 @@
               <a:defRPr/>
             </a:lvl1pPr>
           </a:lstStyle>
-          <a:p/>
+          <a:p>
+            <a:endParaRPr/>
+          </a:p>
         </p:txBody>
       </p:sp>
       <p:sp>
@@ -250,7 +277,9 @@
               <a:defRPr/>
             </a:lvl1pPr>
           </a:lstStyle>
-          <a:p/>
+          <a:p>
+            <a:endParaRPr/>
+          </a:p>
         </p:txBody>
       </p:sp>
       <p:sp>
@@ -260,7 +289,7 @@
             <a:spLocks noGrp="1"/>
           </p:cNvSpPr>
           <p:nvPr>
-            <p:ph type="ftr" idx="5" sz="quarter"/>
+            <p:ph type="ftr" sz="quarter" idx="5"/>
           </p:nvPr>
         </p:nvSpPr>
         <p:spPr/>
@@ -277,7 +306,9 @@
               </a:defRPr>
             </a:lvl1pPr>
           </a:lstStyle>
-          <a:p/>
+          <a:p>
+            <a:endParaRPr/>
+          </a:p>
         </p:txBody>
       </p:sp>
       <p:sp>
@@ -287,7 +318,7 @@
             <a:spLocks noGrp="1"/>
           </p:cNvSpPr>
           <p:nvPr>
-            <p:ph type="dt" idx="6" sz="half"/>
+            <p:ph type="dt" sz="half" idx="6"/>
           </p:nvPr>
         </p:nvSpPr>
         <p:spPr/>
@@ -307,7 +338,9 @@
           <a:p>
             <a:fld id="{1D8BD707-D9CF-40AE-B4C6-C98DA3205C09}" type="datetimeFigureOut">
               <a:rPr lang="en-US"/>
+              <a:t>4/29/2023</a:t>
             </a:fld>
+            <a:endParaRPr lang="en-US"/>
           </a:p>
         </p:txBody>
       </p:sp>
@@ -318,7 +351,7 @@
             <a:spLocks noGrp="1"/>
           </p:cNvSpPr>
           <p:nvPr>
-            <p:ph type="sldNum" idx="7" sz="quarter"/>
+            <p:ph type="sldNum" sz="quarter" idx="7"/>
           </p:nvPr>
         </p:nvSpPr>
         <p:spPr/>
@@ -337,8 +370,9 @@
           </a:lstStyle>
           <a:p>
             <a:fld id="{B6F15528-21DE-4FAA-801E-634DDDAF4B2B}" type="slidenum">
-              <a:t>#</a:t>
+              <a:t>‹#›</a:t>
             </a:fld>
+            <a:endParaRPr/>
           </a:p>
         </p:txBody>
       </p:sp>
@@ -351,7 +385,7 @@
 </file>
 
 <file path=ppt/slideLayouts/slideLayout3.xml><?xml version="1.0" encoding="utf-8"?>
-<p:sldLayout xmlns:a="http://schemas.openxmlformats.org/drawingml/2006/main" xmlns:r="http://schemas.openxmlformats.org/officeDocument/2006/relationships" xmlns:p="http://schemas.openxmlformats.org/presentationml/2006/main" preserve="1" type="obj">
+<p:sldLayout xmlns:a="http://schemas.openxmlformats.org/drawingml/2006/main" xmlns:r="http://schemas.openxmlformats.org/officeDocument/2006/relationships" xmlns:p="http://schemas.openxmlformats.org/presentationml/2006/main" type="obj" preserve="1">
   <p:cSld name="Two Content">
     <p:spTree>
       <p:nvGrpSpPr>
@@ -385,7 +419,9 @@
               <a:defRPr/>
             </a:lvl1pPr>
           </a:lstStyle>
-          <a:p/>
+          <a:p>
+            <a:endParaRPr/>
+          </a:p>
         </p:txBody>
       </p:sp>
       <p:sp>
@@ -395,7 +431,7 @@
             <a:spLocks noGrp="1"/>
           </p:cNvSpPr>
           <p:nvPr>
-            <p:ph idx="2" sz="half"/>
+            <p:ph sz="half" idx="2"/>
           </p:nvPr>
         </p:nvSpPr>
         <p:spPr>
@@ -416,7 +452,9 @@
               <a:defRPr/>
             </a:lvl1pPr>
           </a:lstStyle>
-          <a:p/>
+          <a:p>
+            <a:endParaRPr/>
+          </a:p>
         </p:txBody>
       </p:sp>
       <p:sp>
@@ -426,7 +464,7 @@
             <a:spLocks noGrp="1"/>
           </p:cNvSpPr>
           <p:nvPr>
-            <p:ph idx="3" sz="half"/>
+            <p:ph sz="half" idx="3"/>
           </p:nvPr>
         </p:nvSpPr>
         <p:spPr>
@@ -447,7 +485,9 @@
               <a:defRPr/>
             </a:lvl1pPr>
           </a:lstStyle>
-          <a:p/>
+          <a:p>
+            <a:endParaRPr/>
+          </a:p>
         </p:txBody>
       </p:sp>
       <p:sp>
@@ -457,7 +497,7 @@
             <a:spLocks noGrp="1"/>
           </p:cNvSpPr>
           <p:nvPr>
-            <p:ph type="ftr" idx="5" sz="quarter"/>
+            <p:ph type="ftr" sz="quarter" idx="5"/>
           </p:nvPr>
         </p:nvSpPr>
         <p:spPr/>
@@ -474,7 +514,9 @@
               </a:defRPr>
             </a:lvl1pPr>
           </a:lstStyle>
-          <a:p/>
+          <a:p>
+            <a:endParaRPr/>
+          </a:p>
         </p:txBody>
       </p:sp>
       <p:sp>
@@ -484,7 +526,7 @@
             <a:spLocks noGrp="1"/>
           </p:cNvSpPr>
           <p:nvPr>
-            <p:ph type="dt" idx="6" sz="half"/>
+            <p:ph type="dt" sz="half" idx="6"/>
           </p:nvPr>
         </p:nvSpPr>
         <p:spPr/>
@@ -504,7 +546,9 @@
           <a:p>
             <a:fld id="{1D8BD707-D9CF-40AE-B4C6-C98DA3205C09}" type="datetimeFigureOut">
               <a:rPr lang="en-US"/>
+              <a:t>4/29/2023</a:t>
             </a:fld>
+            <a:endParaRPr lang="en-US"/>
           </a:p>
         </p:txBody>
       </p:sp>
@@ -515,7 +559,7 @@
             <a:spLocks noGrp="1"/>
           </p:cNvSpPr>
           <p:nvPr>
-            <p:ph type="sldNum" idx="7" sz="quarter"/>
+            <p:ph type="sldNum" sz="quarter" idx="7"/>
           </p:nvPr>
         </p:nvSpPr>
         <p:spPr/>
@@ -534,8 +578,9 @@
           </a:lstStyle>
           <a:p>
             <a:fld id="{B6F15528-21DE-4FAA-801E-634DDDAF4B2B}" type="slidenum">
-              <a:t>#</a:t>
+              <a:t>‹#›</a:t>
             </a:fld>
+            <a:endParaRPr/>
           </a:p>
         </p:txBody>
       </p:sp>
@@ -548,7 +593,7 @@
 </file>
 
 <file path=ppt/slideLayouts/slideLayout4.xml><?xml version="1.0" encoding="utf-8"?>
-<p:sldLayout xmlns:a="http://schemas.openxmlformats.org/drawingml/2006/main" xmlns:r="http://schemas.openxmlformats.org/officeDocument/2006/relationships" xmlns:p="http://schemas.openxmlformats.org/presentationml/2006/main" preserve="1" type="obj">
+<p:sldLayout xmlns:a="http://schemas.openxmlformats.org/drawingml/2006/main" xmlns:r="http://schemas.openxmlformats.org/officeDocument/2006/relationships" xmlns:p="http://schemas.openxmlformats.org/presentationml/2006/main" type="obj" preserve="1">
   <p:cSld name="Title Only">
     <p:spTree>
       <p:nvGrpSpPr>
@@ -582,7 +627,9 @@
               <a:defRPr/>
             </a:lvl1pPr>
           </a:lstStyle>
-          <a:p/>
+          <a:p>
+            <a:endParaRPr/>
+          </a:p>
         </p:txBody>
       </p:sp>
       <p:sp>
@@ -592,7 +639,7 @@
             <a:spLocks noGrp="1"/>
           </p:cNvSpPr>
           <p:nvPr>
-            <p:ph type="ftr" idx="5" sz="quarter"/>
+            <p:ph type="ftr" sz="quarter" idx="5"/>
           </p:nvPr>
         </p:nvSpPr>
         <p:spPr/>
@@ -609,7 +656,9 @@
               </a:defRPr>
             </a:lvl1pPr>
           </a:lstStyle>
-          <a:p/>
+          <a:p>
+            <a:endParaRPr/>
+          </a:p>
         </p:txBody>
       </p:sp>
       <p:sp>
@@ -619,7 +668,7 @@
             <a:spLocks noGrp="1"/>
           </p:cNvSpPr>
           <p:nvPr>
-            <p:ph type="dt" idx="6" sz="half"/>
+            <p:ph type="dt" sz="half" idx="6"/>
           </p:nvPr>
         </p:nvSpPr>
         <p:spPr/>
@@ -639,7 +688,9 @@
           <a:p>
             <a:fld id="{1D8BD707-D9CF-40AE-B4C6-C98DA3205C09}" type="datetimeFigureOut">
               <a:rPr lang="en-US"/>
+              <a:t>4/29/2023</a:t>
             </a:fld>
+            <a:endParaRPr lang="en-US"/>
           </a:p>
         </p:txBody>
       </p:sp>
@@ -650,7 +701,7 @@
             <a:spLocks noGrp="1"/>
           </p:cNvSpPr>
           <p:nvPr>
-            <p:ph type="sldNum" idx="7" sz="quarter"/>
+            <p:ph type="sldNum" sz="quarter" idx="7"/>
           </p:nvPr>
         </p:nvSpPr>
         <p:spPr/>
@@ -669,8 +720,9 @@
           </a:lstStyle>
           <a:p>
             <a:fld id="{B6F15528-21DE-4FAA-801E-634DDDAF4B2B}" type="slidenum">
-              <a:t>#</a:t>
+              <a:t>‹#›</a:t>
             </a:fld>
+            <a:endParaRPr/>
           </a:p>
         </p:txBody>
       </p:sp>
@@ -683,7 +735,7 @@
 </file>
 
 <file path=ppt/slideLayouts/slideLayout5.xml><?xml version="1.0" encoding="utf-8"?>
-<p:sldLayout xmlns:a="http://schemas.openxmlformats.org/drawingml/2006/main" xmlns:r="http://schemas.openxmlformats.org/officeDocument/2006/relationships" xmlns:p="http://schemas.openxmlformats.org/presentationml/2006/main" preserve="1" type="obj">
+<p:sldLayout xmlns:a="http://schemas.openxmlformats.org/drawingml/2006/main" xmlns:r="http://schemas.openxmlformats.org/officeDocument/2006/relationships" xmlns:p="http://schemas.openxmlformats.org/presentationml/2006/main" type="obj" preserve="1">
   <p:cSld name="Blank">
     <p:spTree>
       <p:nvGrpSpPr>
@@ -706,7 +758,7 @@
             <a:spLocks noGrp="1"/>
           </p:cNvSpPr>
           <p:nvPr>
-            <p:ph type="ftr" idx="5" sz="quarter"/>
+            <p:ph type="ftr" sz="quarter" idx="5"/>
           </p:nvPr>
         </p:nvSpPr>
         <p:spPr/>
@@ -723,7 +775,9 @@
               </a:defRPr>
             </a:lvl1pPr>
           </a:lstStyle>
-          <a:p/>
+          <a:p>
+            <a:endParaRPr/>
+          </a:p>
         </p:txBody>
       </p:sp>
       <p:sp>
@@ -733,7 +787,7 @@
             <a:spLocks noGrp="1"/>
           </p:cNvSpPr>
           <p:nvPr>
-            <p:ph type="dt" idx="6" sz="half"/>
+            <p:ph type="dt" sz="half" idx="6"/>
           </p:nvPr>
         </p:nvSpPr>
         <p:spPr/>
@@ -753,7 +807,9 @@
           <a:p>
             <a:fld id="{1D8BD707-D9CF-40AE-B4C6-C98DA3205C09}" type="datetimeFigureOut">
               <a:rPr lang="en-US"/>
+              <a:t>4/29/2023</a:t>
             </a:fld>
+            <a:endParaRPr lang="en-US"/>
           </a:p>
         </p:txBody>
       </p:sp>
@@ -764,7 +820,7 @@
             <a:spLocks noGrp="1"/>
           </p:cNvSpPr>
           <p:nvPr>
-            <p:ph type="sldNum" idx="7" sz="quarter"/>
+            <p:ph type="sldNum" sz="quarter" idx="7"/>
           </p:nvPr>
         </p:nvSpPr>
         <p:spPr/>
@@ -783,8 +839,9 @@
           </a:lstStyle>
           <a:p>
             <a:fld id="{B6F15528-21DE-4FAA-801E-634DDDAF4B2B}" type="slidenum">
-              <a:t>#</a:t>
+              <a:t>‹#›</a:t>
             </a:fld>
+            <a:endParaRPr/>
           </a:p>
         </p:txBody>
       </p:sp>
@@ -849,7 +906,9 @@
               <a:defRPr/>
             </a:lvl1pPr>
           </a:lstStyle>
-          <a:p/>
+          <a:p>
+            <a:endParaRPr/>
+          </a:p>
         </p:txBody>
       </p:sp>
       <p:sp>
@@ -880,7 +939,9 @@
               <a:defRPr/>
             </a:lvl1pPr>
           </a:lstStyle>
-          <a:p/>
+          <a:p>
+            <a:endParaRPr/>
+          </a:p>
         </p:txBody>
       </p:sp>
       <p:sp>
@@ -890,7 +951,7 @@
             <a:spLocks noGrp="1"/>
           </p:cNvSpPr>
           <p:nvPr>
-            <p:ph type="ftr" idx="5" sz="quarter"/>
+            <p:ph type="ftr" sz="quarter" idx="5"/>
           </p:nvPr>
         </p:nvSpPr>
         <p:spPr>
@@ -917,7 +978,9 @@
               </a:defRPr>
             </a:lvl1pPr>
           </a:lstStyle>
-          <a:p/>
+          <a:p>
+            <a:endParaRPr/>
+          </a:p>
         </p:txBody>
       </p:sp>
       <p:sp>
@@ -927,7 +990,7 @@
             <a:spLocks noGrp="1"/>
           </p:cNvSpPr>
           <p:nvPr>
-            <p:ph type="dt" idx="6" sz="half"/>
+            <p:ph type="dt" sz="half" idx="6"/>
           </p:nvPr>
         </p:nvSpPr>
         <p:spPr>
@@ -957,7 +1020,9 @@
           <a:p>
             <a:fld id="{1D8BD707-D9CF-40AE-B4C6-C98DA3205C09}" type="datetimeFigureOut">
               <a:rPr lang="en-US"/>
+              <a:t>4/29/2023</a:t>
             </a:fld>
+            <a:endParaRPr lang="en-US"/>
           </a:p>
         </p:txBody>
       </p:sp>
@@ -968,7 +1033,7 @@
             <a:spLocks noGrp="1"/>
           </p:cNvSpPr>
           <p:nvPr>
-            <p:ph type="sldNum" idx="7" sz="quarter"/>
+            <p:ph type="sldNum" sz="quarter" idx="7"/>
           </p:nvPr>
         </p:nvSpPr>
         <p:spPr>
@@ -997,14 +1062,15 @@
           </a:lstStyle>
           <a:p>
             <a:fld id="{B6F15528-21DE-4FAA-801E-634DDDAF4B2B}" type="slidenum">
-              <a:t>#</a:t>
+              <a:t>‹#›</a:t>
             </a:fld>
+            <a:endParaRPr/>
           </a:p>
         </p:txBody>
       </p:sp>
     </p:spTree>
   </p:cSld>
-  <p:clrMap folHlink="folHlink" hlink="hlink" accent1="accent1" accent2="accent2" accent3="accent3" accent4="accent4" accent5="accent5" accent6="accent6" tx2="dk2" bg2="lt2" tx1="dk1" bg1="lt1"/>
+  <p:clrMap bg1="lt1" tx1="dk1" bg2="lt2" tx2="dk2" accent1="accent1" accent2="accent2" accent3="accent3" accent4="accent4" accent5="accent5" accent6="accent6" hlink="hlink" folHlink="folHlink"/>
   <p:sldLayoutIdLst>
     <p:sldLayoutId id="2147483661" r:id="rId1"/>
     <p:sldLayoutId id="2147483662" r:id="rId2"/>
@@ -1173,9 +1239,49 @@
           <a:chExt cx="0" cy="0"/>
         </a:xfrm>
       </p:grpSpPr>
+      <p:cxnSp>
+        <p:nvCxnSpPr>
+          <p:cNvPr id="70" name="直線接點 69">
+            <a:extLst>
+              <a:ext uri="{FF2B5EF4-FFF2-40B4-BE49-F238E27FC236}">
+                <a16:creationId xmlns:a16="http://schemas.microsoft.com/office/drawing/2014/main" id="{B2CA40A8-FDCD-88D6-0B4C-1B3422B9D0EC}"/>
+              </a:ext>
+            </a:extLst>
+          </p:cNvPr>
+          <p:cNvCxnSpPr>
+            <a:cxnSpLocks/>
+            <a:stCxn id="61" idx="3"/>
+          </p:cNvCxnSpPr>
+          <p:nvPr/>
+        </p:nvCxnSpPr>
+        <p:spPr>
+          <a:xfrm>
+            <a:off x="5209793" y="1697227"/>
+            <a:ext cx="581407" cy="0"/>
+          </a:xfrm>
+          <a:prstGeom prst="line">
+            <a:avLst/>
+          </a:prstGeom>
+          <a:ln w="12700"/>
+        </p:spPr>
+        <p:style>
+          <a:lnRef idx="1">
+            <a:schemeClr val="dk1"/>
+          </a:lnRef>
+          <a:fillRef idx="0">
+            <a:schemeClr val="dk1"/>
+          </a:fillRef>
+          <a:effectRef idx="0">
+            <a:schemeClr val="dk1"/>
+          </a:effectRef>
+          <a:fontRef idx="minor">
+            <a:schemeClr val="tx1"/>
+          </a:fontRef>
+        </p:style>
+      </p:cxnSp>
       <p:sp>
         <p:nvSpPr>
-          <p:cNvPr id="2" name="object 2" descr=""/>
+          <p:cNvPr id="2" name="object 2"/>
           <p:cNvSpPr/>
           <p:nvPr/>
         </p:nvSpPr>
@@ -1278,12 +1384,14 @@
         <p:txBody>
           <a:bodyPr wrap="square" lIns="0" tIns="0" rIns="0" bIns="0" rtlCol="0"/>
           <a:lstStyle/>
-          <a:p/>
+          <a:p>
+            <a:endParaRPr/>
+          </a:p>
         </p:txBody>
       </p:sp>
       <p:sp>
         <p:nvSpPr>
-          <p:cNvPr id="3" name="object 3" descr=""/>
+          <p:cNvPr id="3" name="object 3"/>
           <p:cNvSpPr/>
           <p:nvPr/>
         </p:nvSpPr>
@@ -1326,12 +1434,14 @@
         <p:txBody>
           <a:bodyPr wrap="square" lIns="0" tIns="0" rIns="0" bIns="0" rtlCol="0"/>
           <a:lstStyle/>
-          <a:p/>
+          <a:p>
+            <a:endParaRPr/>
+          </a:p>
         </p:txBody>
       </p:sp>
       <p:sp>
         <p:nvSpPr>
-          <p:cNvPr id="4" name="object 4" descr=""/>
+          <p:cNvPr id="4" name="object 4"/>
           <p:cNvSpPr/>
           <p:nvPr/>
         </p:nvSpPr>
@@ -1366,12 +1476,14 @@
         <p:txBody>
           <a:bodyPr wrap="square" lIns="0" tIns="0" rIns="0" bIns="0" rtlCol="0"/>
           <a:lstStyle/>
-          <a:p/>
+          <a:p>
+            <a:endParaRPr/>
+          </a:p>
         </p:txBody>
       </p:sp>
       <p:sp>
         <p:nvSpPr>
-          <p:cNvPr id="5" name="object 5" descr=""/>
+          <p:cNvPr id="5" name="object 5"/>
           <p:cNvSpPr/>
           <p:nvPr/>
         </p:nvSpPr>
@@ -1387,7 +1499,7 @@
             <a:cxnLst/>
             <a:rect l="l" t="t" r="r" b="b"/>
             <a:pathLst>
-              <a:path w="411479" h="0">
+              <a:path w="411479">
                 <a:moveTo>
                   <a:pt x="0" y="0"/>
                 </a:moveTo>
@@ -1406,12 +1518,14 @@
         <p:txBody>
           <a:bodyPr wrap="square" lIns="0" tIns="0" rIns="0" bIns="0" rtlCol="0"/>
           <a:lstStyle/>
-          <a:p/>
+          <a:p>
+            <a:endParaRPr/>
+          </a:p>
         </p:txBody>
       </p:sp>
       <p:grpSp>
         <p:nvGrpSpPr>
-          <p:cNvPr id="6" name="object 6" descr=""/>
+          <p:cNvPr id="6" name="object 6"/>
           <p:cNvGrpSpPr/>
           <p:nvPr/>
         </p:nvGrpSpPr>
@@ -1425,7 +1539,7 @@
         </p:grpSpPr>
         <p:sp>
           <p:nvSpPr>
-            <p:cNvPr id="7" name="object 7" descr=""/>
+            <p:cNvPr id="7" name="object 7"/>
             <p:cNvSpPr/>
             <p:nvPr/>
           </p:nvSpPr>
@@ -1441,7 +1555,7 @@
               <a:cxnLst/>
               <a:rect l="l" t="t" r="r" b="b"/>
               <a:pathLst>
-                <a:path w="411479" h="0">
+                <a:path w="411479">
                   <a:moveTo>
                     <a:pt x="0" y="0"/>
                   </a:moveTo>
@@ -1460,12 +1574,14 @@
           <p:txBody>
             <a:bodyPr wrap="square" lIns="0" tIns="0" rIns="0" bIns="0" rtlCol="0"/>
             <a:lstStyle/>
-            <a:p/>
+            <a:p>
+              <a:endParaRPr/>
+            </a:p>
           </p:txBody>
         </p:sp>
         <p:sp>
           <p:nvSpPr>
-            <p:cNvPr id="8" name="object 8" descr=""/>
+            <p:cNvPr id="8" name="object 8"/>
             <p:cNvSpPr/>
             <p:nvPr/>
           </p:nvSpPr>
@@ -1508,12 +1624,14 @@
           <p:txBody>
             <a:bodyPr wrap="square" lIns="0" tIns="0" rIns="0" bIns="0" rtlCol="0"/>
             <a:lstStyle/>
-            <a:p/>
+            <a:p>
+              <a:endParaRPr/>
+            </a:p>
           </p:txBody>
         </p:sp>
         <p:sp>
           <p:nvSpPr>
-            <p:cNvPr id="9" name="object 9" descr=""/>
+            <p:cNvPr id="9" name="object 9"/>
             <p:cNvSpPr/>
             <p:nvPr/>
           </p:nvSpPr>
@@ -1558,13 +1676,15 @@
           <p:txBody>
             <a:bodyPr wrap="square" lIns="0" tIns="0" rIns="0" bIns="0" rtlCol="0"/>
             <a:lstStyle/>
-            <a:p/>
+            <a:p>
+              <a:endParaRPr/>
+            </a:p>
           </p:txBody>
         </p:sp>
       </p:grpSp>
       <p:sp>
         <p:nvSpPr>
-          <p:cNvPr id="10" name="object 10" descr=""/>
+          <p:cNvPr id="10" name="object 10"/>
           <p:cNvSpPr/>
           <p:nvPr/>
         </p:nvSpPr>
@@ -1667,12 +1787,14 @@
         <p:txBody>
           <a:bodyPr wrap="square" lIns="0" tIns="0" rIns="0" bIns="0" rtlCol="0"/>
           <a:lstStyle/>
-          <a:p/>
+          <a:p>
+            <a:endParaRPr/>
+          </a:p>
         </p:txBody>
       </p:sp>
       <p:sp>
         <p:nvSpPr>
-          <p:cNvPr id="11" name="object 11" descr=""/>
+          <p:cNvPr id="11" name="object 11"/>
           <p:cNvSpPr/>
           <p:nvPr/>
         </p:nvSpPr>
@@ -1775,12 +1897,14 @@
         <p:txBody>
           <a:bodyPr wrap="square" lIns="0" tIns="0" rIns="0" bIns="0" rtlCol="0"/>
           <a:lstStyle/>
-          <a:p/>
+          <a:p>
+            <a:endParaRPr/>
+          </a:p>
         </p:txBody>
       </p:sp>
       <p:sp>
         <p:nvSpPr>
-          <p:cNvPr id="12" name="object 12" descr=""/>
+          <p:cNvPr id="12" name="object 12"/>
           <p:cNvSpPr/>
           <p:nvPr/>
         </p:nvSpPr>
@@ -1823,12 +1947,14 @@
         <p:txBody>
           <a:bodyPr wrap="square" lIns="0" tIns="0" rIns="0" bIns="0" rtlCol="0"/>
           <a:lstStyle/>
-          <a:p/>
+          <a:p>
+            <a:endParaRPr/>
+          </a:p>
         </p:txBody>
       </p:sp>
       <p:sp>
         <p:nvSpPr>
-          <p:cNvPr id="13" name="object 13" descr=""/>
+          <p:cNvPr id="13" name="object 13"/>
           <p:cNvSpPr/>
           <p:nvPr/>
         </p:nvSpPr>
@@ -1863,12 +1989,14 @@
         <p:txBody>
           <a:bodyPr wrap="square" lIns="0" tIns="0" rIns="0" bIns="0" rtlCol="0"/>
           <a:lstStyle/>
-          <a:p/>
+          <a:p>
+            <a:endParaRPr/>
+          </a:p>
         </p:txBody>
       </p:sp>
       <p:sp>
         <p:nvSpPr>
-          <p:cNvPr id="14" name="object 14" descr=""/>
+          <p:cNvPr id="14" name="object 14"/>
           <p:cNvSpPr/>
           <p:nvPr/>
         </p:nvSpPr>
@@ -1911,12 +2039,14 @@
         <p:txBody>
           <a:bodyPr wrap="square" lIns="0" tIns="0" rIns="0" bIns="0" rtlCol="0"/>
           <a:lstStyle/>
-          <a:p/>
+          <a:p>
+            <a:endParaRPr/>
+          </a:p>
         </p:txBody>
       </p:sp>
       <p:grpSp>
         <p:nvGrpSpPr>
-          <p:cNvPr id="15" name="object 15" descr=""/>
+          <p:cNvPr id="15" name="object 15"/>
           <p:cNvGrpSpPr/>
           <p:nvPr/>
         </p:nvGrpSpPr>
@@ -1930,7 +2060,7 @@
         </p:grpSpPr>
         <p:sp>
           <p:nvSpPr>
-            <p:cNvPr id="16" name="object 16" descr=""/>
+            <p:cNvPr id="16" name="object 16"/>
             <p:cNvSpPr/>
             <p:nvPr/>
           </p:nvSpPr>
@@ -1973,12 +2103,14 @@
           <p:txBody>
             <a:bodyPr wrap="square" lIns="0" tIns="0" rIns="0" bIns="0" rtlCol="0"/>
             <a:lstStyle/>
-            <a:p/>
+            <a:p>
+              <a:endParaRPr/>
+            </a:p>
           </p:txBody>
         </p:sp>
         <p:sp>
           <p:nvSpPr>
-            <p:cNvPr id="17" name="object 17" descr=""/>
+            <p:cNvPr id="17" name="object 17"/>
             <p:cNvSpPr/>
             <p:nvPr/>
           </p:nvSpPr>
@@ -2023,21 +2155,23 @@
           <p:txBody>
             <a:bodyPr wrap="square" lIns="0" tIns="0" rIns="0" bIns="0" rtlCol="0"/>
             <a:lstStyle/>
-            <a:p/>
+            <a:p>
+              <a:endParaRPr/>
+            </a:p>
           </p:txBody>
         </p:sp>
       </p:grpSp>
       <p:graphicFrame>
         <p:nvGraphicFramePr>
-          <p:cNvPr id="18" name="object 18" descr=""/>
+          <p:cNvPr id="24" name="object 24"/>
           <p:cNvGraphicFramePr>
             <a:graphicFrameLocks noGrp="1"/>
           </p:cNvGraphicFramePr>
           <p:nvPr/>
         </p:nvGraphicFramePr>
         <p:xfrm>
-          <a:off x="3860419" y="859027"/>
-          <a:ext cx="1846580" cy="1675764"/>
+          <a:off x="7444358" y="3676777"/>
+          <a:ext cx="1271905" cy="1676400"/>
         </p:xfrm>
         <a:graphic>
           <a:graphicData uri="http://schemas.openxmlformats.org/drawingml/2006/table">
@@ -2046,613 +2180,13 @@
                 <a:tableStyleId>{2D5ABB26-0587-4C30-8999-92F81FD0307C}</a:tableStyleId>
               </a:tblPr>
               <a:tblGrid>
-                <a:gridCol w="1343025"/>
-                <a:gridCol w="490855"/>
-              </a:tblGrid>
-              <a:tr h="304800">
-                <a:tc>
-                  <a:txBody>
-                    <a:bodyPr/>
-                    <a:lstStyle/>
-                    <a:p>
-                      <a:pPr marL="396875">
-                        <a:lnSpc>
-                          <a:spcPct val="100000"/>
-                        </a:lnSpc>
-                        <a:spcBef>
-                          <a:spcPts val="315"/>
-                        </a:spcBef>
-                      </a:pPr>
-                      <a:r>
-                        <a:rPr dirty="0" sz="1400" spc="-10">
-                          <a:latin typeface="Times New Roman"/>
-                          <a:cs typeface="Times New Roman"/>
-                        </a:rPr>
-                        <a:t>Student</a:t>
-                      </a:r>
-                      <a:endParaRPr sz="1400">
-                        <a:latin typeface="Times New Roman"/>
-                        <a:cs typeface="Times New Roman"/>
-                      </a:endParaRPr>
-                    </a:p>
-                  </a:txBody>
-                  <a:tcPr marL="0" marR="0" marB="0" marT="40005">
-                    <a:lnL w="12700">
-                      <a:solidFill>
-                        <a:srgbClr val="000000"/>
-                      </a:solidFill>
-                      <a:prstDash val="solid"/>
-                    </a:lnL>
-                    <a:lnR w="12700">
-                      <a:solidFill>
-                        <a:srgbClr val="000000"/>
-                      </a:solidFill>
-                      <a:prstDash val="solid"/>
-                    </a:lnR>
-                    <a:lnT w="12700">
-                      <a:solidFill>
-                        <a:srgbClr val="000000"/>
-                      </a:solidFill>
-                      <a:prstDash val="solid"/>
-                    </a:lnT>
-                    <a:lnB w="12700">
-                      <a:solidFill>
-                        <a:srgbClr val="000000"/>
-                      </a:solidFill>
-                      <a:prstDash val="solid"/>
-                    </a:lnB>
-                    <a:solidFill>
-                      <a:srgbClr val="E7E6E6"/>
-                    </a:solidFill>
-                  </a:tcPr>
-                </a:tc>
-                <a:tc rowSpan="2">
-                  <a:txBody>
-                    <a:bodyPr/>
-                    <a:lstStyle/>
-                    <a:p>
-                      <a:pPr>
-                        <a:lnSpc>
-                          <a:spcPct val="100000"/>
-                        </a:lnSpc>
-                      </a:pPr>
-                      <a:endParaRPr sz="1400">
-                        <a:latin typeface="Times New Roman"/>
-                        <a:cs typeface="Times New Roman"/>
-                      </a:endParaRPr>
-                    </a:p>
-                  </a:txBody>
-                  <a:tcPr marL="0" marR="0" marB="0" marT="0">
-                    <a:lnL w="12700">
-                      <a:solidFill>
-                        <a:srgbClr val="000000"/>
-                      </a:solidFill>
-                      <a:prstDash val="solid"/>
-                    </a:lnL>
-                    <a:lnB w="28575">
-                      <a:solidFill>
-                        <a:srgbClr val="000000"/>
-                      </a:solidFill>
-                      <a:prstDash val="solid"/>
-                    </a:lnB>
-                  </a:tcPr>
-                </a:tc>
-              </a:tr>
-              <a:tr h="528320">
-                <a:tc rowSpan="2">
-                  <a:txBody>
-                    <a:bodyPr/>
-                    <a:lstStyle/>
-                    <a:p>
-                      <a:pPr marL="91440" marR="199390">
-                        <a:lnSpc>
-                          <a:spcPct val="100000"/>
-                        </a:lnSpc>
-                        <a:spcBef>
-                          <a:spcPts val="270"/>
-                        </a:spcBef>
-                      </a:pPr>
-                      <a:r>
-                        <a:rPr dirty="0" u="sng" sz="1400" spc="-10" i="1">
-                          <a:uFill>
-                            <a:solidFill>
-                              <a:srgbClr val="000000"/>
-                            </a:solidFill>
-                          </a:uFill>
-                          <a:latin typeface="Calibri"/>
-                          <a:cs typeface="Calibri"/>
-                        </a:rPr>
-                        <a:t>student_id</a:t>
-                      </a:r>
-                      <a:r>
-                        <a:rPr dirty="0" sz="1400" spc="-10" i="1">
-                          <a:latin typeface="Calibri"/>
-                          <a:cs typeface="Calibri"/>
-                        </a:rPr>
-                        <a:t> student_name grade</a:t>
-                      </a:r>
-                      <a:endParaRPr sz="1400">
-                        <a:latin typeface="Calibri"/>
-                        <a:cs typeface="Calibri"/>
-                      </a:endParaRPr>
-                    </a:p>
-                    <a:p>
-                      <a:pPr marL="91440" marR="149225">
-                        <a:lnSpc>
-                          <a:spcPct val="100000"/>
-                        </a:lnSpc>
-                      </a:pPr>
-                      <a:r>
-                        <a:rPr dirty="0" sz="1400" spc="-20" i="1">
-                          <a:latin typeface="Calibri"/>
-                          <a:cs typeface="Calibri"/>
-                        </a:rPr>
-                        <a:t>class</a:t>
-                      </a:r>
-                      <a:r>
-                        <a:rPr dirty="0" sz="1400" spc="-20" i="1">
-                          <a:latin typeface="Calibri"/>
-                          <a:cs typeface="Calibri"/>
-                        </a:rPr>
-                        <a:t> </a:t>
-                      </a:r>
-                      <a:r>
-                        <a:rPr dirty="0" sz="1400" spc="-10" i="1">
-                          <a:latin typeface="Calibri"/>
-                          <a:cs typeface="Calibri"/>
-                        </a:rPr>
-                        <a:t>department selected_credit</a:t>
-                      </a:r>
-                      <a:endParaRPr sz="1400">
-                        <a:latin typeface="Calibri"/>
-                        <a:cs typeface="Calibri"/>
-                      </a:endParaRPr>
-                    </a:p>
-                  </a:txBody>
-                  <a:tcPr marL="0" marR="0" marB="0" marT="34290">
-                    <a:lnL w="12700">
-                      <a:solidFill>
-                        <a:srgbClr val="000000"/>
-                      </a:solidFill>
-                      <a:prstDash val="solid"/>
-                    </a:lnL>
-                    <a:lnR w="12700">
-                      <a:solidFill>
-                        <a:srgbClr val="000000"/>
-                      </a:solidFill>
-                      <a:prstDash val="solid"/>
-                    </a:lnR>
-                    <a:lnT w="12700">
-                      <a:solidFill>
-                        <a:srgbClr val="000000"/>
-                      </a:solidFill>
-                      <a:prstDash val="solid"/>
-                    </a:lnT>
-                    <a:lnB w="12700">
-                      <a:solidFill>
-                        <a:srgbClr val="000000"/>
-                      </a:solidFill>
-                      <a:prstDash val="solid"/>
-                    </a:lnB>
-                  </a:tcPr>
-                </a:tc>
-                <a:tc vMerge="1">
-                  <a:txBody>
-                    <a:bodyPr/>
-                    <a:lstStyle/>
-                    <a:p>
-                      <a:pPr/>
-                    </a:p>
-                  </a:txBody>
-                  <a:tcPr marL="0" marR="0" marB="0" marT="0">
-                    <a:lnL w="12700">
-                      <a:solidFill>
-                        <a:srgbClr val="000000"/>
-                      </a:solidFill>
-                      <a:prstDash val="solid"/>
-                    </a:lnL>
-                    <a:lnB w="28575">
-                      <a:solidFill>
-                        <a:srgbClr val="000000"/>
-                      </a:solidFill>
-                      <a:prstDash val="solid"/>
-                    </a:lnB>
-                  </a:tcPr>
-                </a:tc>
-              </a:tr>
-              <a:tr h="842644">
-                <a:tc vMerge="1">
-                  <a:txBody>
-                    <a:bodyPr/>
-                    <a:lstStyle/>
-                    <a:p>
-                      <a:pPr/>
-                    </a:p>
-                  </a:txBody>
-                  <a:tcPr marL="0" marR="0" marB="0" marT="34290">
-                    <a:lnL w="12700">
-                      <a:solidFill>
-                        <a:srgbClr val="000000"/>
-                      </a:solidFill>
-                      <a:prstDash val="solid"/>
-                    </a:lnL>
-                    <a:lnR w="12700">
-                      <a:solidFill>
-                        <a:srgbClr val="000000"/>
-                      </a:solidFill>
-                      <a:prstDash val="solid"/>
-                    </a:lnR>
-                    <a:lnT w="12700">
-                      <a:solidFill>
-                        <a:srgbClr val="000000"/>
-                      </a:solidFill>
-                      <a:prstDash val="solid"/>
-                    </a:lnT>
-                    <a:lnB w="12700">
-                      <a:solidFill>
-                        <a:srgbClr val="000000"/>
-                      </a:solidFill>
-                      <a:prstDash val="solid"/>
-                    </a:lnB>
-                  </a:tcPr>
-                </a:tc>
-                <a:tc>
-                  <a:txBody>
-                    <a:bodyPr/>
-                    <a:lstStyle/>
-                    <a:p>
-                      <a:pPr>
-                        <a:lnSpc>
-                          <a:spcPct val="100000"/>
-                        </a:lnSpc>
-                      </a:pPr>
-                      <a:endParaRPr sz="1400">
-                        <a:latin typeface="Times New Roman"/>
-                        <a:cs typeface="Times New Roman"/>
-                      </a:endParaRPr>
-                    </a:p>
-                  </a:txBody>
-                  <a:tcPr marL="0" marR="0" marB="0" marT="0">
-                    <a:lnL w="12700">
-                      <a:solidFill>
-                        <a:srgbClr val="000000"/>
-                      </a:solidFill>
-                      <a:prstDash val="solid"/>
-                    </a:lnL>
-                    <a:lnT w="28575">
-                      <a:solidFill>
-                        <a:srgbClr val="000000"/>
-                      </a:solidFill>
-                      <a:prstDash val="solid"/>
-                    </a:lnT>
-                  </a:tcPr>
-                </a:tc>
-              </a:tr>
-            </a:tbl>
-          </a:graphicData>
-        </a:graphic>
-      </p:graphicFrame>
-      <p:grpSp>
-        <p:nvGrpSpPr>
-          <p:cNvPr id="19" name="object 19" descr=""/>
-          <p:cNvGrpSpPr/>
-          <p:nvPr/>
-        </p:nvGrpSpPr>
-        <p:grpSpPr>
-          <a:xfrm>
-            <a:off x="7433182" y="690372"/>
-            <a:ext cx="1430020" cy="1532890"/>
-            <a:chOff x="7433182" y="690372"/>
-            <a:chExt cx="1430020" cy="1532890"/>
-          </a:xfrm>
-        </p:grpSpPr>
-        <p:sp>
-          <p:nvSpPr>
-            <p:cNvPr id="20" name="object 20" descr=""/>
-            <p:cNvSpPr/>
-            <p:nvPr/>
-          </p:nvSpPr>
-          <p:spPr>
-            <a:xfrm>
-              <a:off x="7445882" y="703072"/>
-              <a:ext cx="1404620" cy="304800"/>
-            </a:xfrm>
-            <a:custGeom>
-              <a:avLst/>
-              <a:gdLst/>
-              <a:ahLst/>
-              <a:cxnLst/>
-              <a:rect l="l" t="t" r="r" b="b"/>
-              <a:pathLst>
-                <a:path w="1404620" h="304800">
-                  <a:moveTo>
-                    <a:pt x="1404493" y="0"/>
-                  </a:moveTo>
-                  <a:lnTo>
-                    <a:pt x="0" y="0"/>
-                  </a:lnTo>
-                  <a:lnTo>
-                    <a:pt x="0" y="304800"/>
-                  </a:lnTo>
-                  <a:lnTo>
-                    <a:pt x="1404493" y="304800"/>
-                  </a:lnTo>
-                  <a:lnTo>
-                    <a:pt x="1404493" y="0"/>
-                  </a:lnTo>
-                  <a:close/>
-                </a:path>
-              </a:pathLst>
-            </a:custGeom>
-            <a:solidFill>
-              <a:srgbClr val="E7E6E6"/>
-            </a:solidFill>
-          </p:spPr>
-          <p:txBody>
-            <a:bodyPr wrap="square" lIns="0" tIns="0" rIns="0" bIns="0" rtlCol="0"/>
-            <a:lstStyle/>
-            <a:p/>
-          </p:txBody>
-        </p:sp>
-        <p:sp>
-          <p:nvSpPr>
-            <p:cNvPr id="21" name="object 21" descr=""/>
-            <p:cNvSpPr/>
-            <p:nvPr/>
-          </p:nvSpPr>
-          <p:spPr>
-            <a:xfrm>
-              <a:off x="7439532" y="1001522"/>
-              <a:ext cx="1417320" cy="12700"/>
-            </a:xfrm>
-            <a:custGeom>
-              <a:avLst/>
-              <a:gdLst/>
-              <a:ahLst/>
-              <a:cxnLst/>
-              <a:rect l="l" t="t" r="r" b="b"/>
-              <a:pathLst>
-                <a:path w="1417320" h="12700">
-                  <a:moveTo>
-                    <a:pt x="0" y="12700"/>
-                  </a:moveTo>
-                  <a:lnTo>
-                    <a:pt x="1417193" y="12700"/>
-                  </a:lnTo>
-                  <a:lnTo>
-                    <a:pt x="1417193" y="0"/>
-                  </a:lnTo>
-                  <a:lnTo>
-                    <a:pt x="0" y="0"/>
-                  </a:lnTo>
-                  <a:lnTo>
-                    <a:pt x="0" y="12700"/>
-                  </a:lnTo>
-                  <a:close/>
-                </a:path>
-              </a:pathLst>
-            </a:custGeom>
-            <a:solidFill>
-              <a:srgbClr val="000000"/>
-            </a:solidFill>
-          </p:spPr>
-          <p:txBody>
-            <a:bodyPr wrap="square" lIns="0" tIns="0" rIns="0" bIns="0" rtlCol="0"/>
-            <a:lstStyle/>
-            <a:p/>
-          </p:txBody>
-        </p:sp>
-        <p:sp>
-          <p:nvSpPr>
-            <p:cNvPr id="22" name="object 22" descr=""/>
-            <p:cNvSpPr/>
-            <p:nvPr/>
-          </p:nvSpPr>
-          <p:spPr>
-            <a:xfrm>
-              <a:off x="7439532" y="696722"/>
-              <a:ext cx="1417320" cy="1520190"/>
-            </a:xfrm>
-            <a:custGeom>
-              <a:avLst/>
-              <a:gdLst/>
-              <a:ahLst/>
-              <a:cxnLst/>
-              <a:rect l="l" t="t" r="r" b="b"/>
-              <a:pathLst>
-                <a:path w="1417320" h="1520189">
-                  <a:moveTo>
-                    <a:pt x="6350" y="0"/>
-                  </a:moveTo>
-                  <a:lnTo>
-                    <a:pt x="6350" y="1519681"/>
-                  </a:lnTo>
-                </a:path>
-                <a:path w="1417320" h="1520189">
-                  <a:moveTo>
-                    <a:pt x="1410843" y="0"/>
-                  </a:moveTo>
-                  <a:lnTo>
-                    <a:pt x="1410843" y="1519681"/>
-                  </a:lnTo>
-                </a:path>
-                <a:path w="1417320" h="1520189">
-                  <a:moveTo>
-                    <a:pt x="0" y="6350"/>
-                  </a:moveTo>
-                  <a:lnTo>
-                    <a:pt x="1417193" y="6350"/>
-                  </a:lnTo>
-                </a:path>
-                <a:path w="1417320" h="1520189">
-                  <a:moveTo>
-                    <a:pt x="0" y="1513331"/>
-                  </a:moveTo>
-                  <a:lnTo>
-                    <a:pt x="1417193" y="1513331"/>
-                  </a:lnTo>
-                </a:path>
-              </a:pathLst>
-            </a:custGeom>
-            <a:ln w="12700">
-              <a:solidFill>
-                <a:srgbClr val="000000"/>
-              </a:solidFill>
-            </a:ln>
-          </p:spPr>
-          <p:txBody>
-            <a:bodyPr wrap="square" lIns="0" tIns="0" rIns="0" bIns="0" rtlCol="0"/>
-            <a:lstStyle/>
-            <a:p/>
-          </p:txBody>
-        </p:sp>
-      </p:grpSp>
-      <p:graphicFrame>
-        <p:nvGraphicFramePr>
-          <p:cNvPr id="23" name="object 23" descr=""/>
-          <p:cNvGraphicFramePr>
-            <a:graphicFrameLocks noGrp="1"/>
-          </p:cNvGraphicFramePr>
-          <p:nvPr/>
-        </p:nvGraphicFramePr>
-        <p:xfrm>
-          <a:off x="7474839" y="696722"/>
-          <a:ext cx="1282065" cy="1506855"/>
-        </p:xfrm>
-        <a:graphic>
-          <a:graphicData uri="http://schemas.openxmlformats.org/drawingml/2006/table">
-            <a:tbl>
-              <a:tblPr firstRow="1" bandRow="1">
-                <a:tableStyleId>{2D5ABB26-0587-4C30-8999-92F81FD0307C}</a:tableStyleId>
-              </a:tblPr>
-              <a:tblGrid>
-                <a:gridCol w="1282065"/>
-              </a:tblGrid>
-              <a:tr h="304800">
-                <a:tc>
-                  <a:txBody>
-                    <a:bodyPr/>
-                    <a:lstStyle/>
-                    <a:p>
-                      <a:pPr marL="404495">
-                        <a:lnSpc>
-                          <a:spcPct val="100000"/>
-                        </a:lnSpc>
-                        <a:spcBef>
-                          <a:spcPts val="315"/>
-                        </a:spcBef>
-                      </a:pPr>
-                      <a:r>
-                        <a:rPr dirty="0" sz="1400" spc="-10">
-                          <a:latin typeface="Times New Roman"/>
-                          <a:cs typeface="Times New Roman"/>
-                        </a:rPr>
-                        <a:t>Section</a:t>
-                      </a:r>
-                      <a:endParaRPr sz="1400">
-                        <a:latin typeface="Times New Roman"/>
-                        <a:cs typeface="Times New Roman"/>
-                      </a:endParaRPr>
-                    </a:p>
-                  </a:txBody>
-                  <a:tcPr marL="0" marR="0" marB="0" marT="40005">
-                    <a:lnT w="12700">
-                      <a:solidFill>
-                        <a:srgbClr val="000000"/>
-                      </a:solidFill>
-                      <a:prstDash val="solid"/>
-                    </a:lnT>
-                    <a:lnB w="12700">
-                      <a:solidFill>
-                        <a:srgbClr val="000000"/>
-                      </a:solidFill>
-                      <a:prstDash val="solid"/>
-                    </a:lnB>
-                    <a:solidFill>
-                      <a:srgbClr val="E7E6E6"/>
-                    </a:solidFill>
-                  </a:tcPr>
-                </a:tc>
-              </a:tr>
-              <a:tr h="1202055">
-                <a:tc>
-                  <a:txBody>
-                    <a:bodyPr/>
-                    <a:lstStyle/>
-                    <a:p>
-                      <a:pPr marL="63500" marR="24130">
-                        <a:lnSpc>
-                          <a:spcPct val="100000"/>
-                        </a:lnSpc>
-                        <a:spcBef>
-                          <a:spcPts val="270"/>
-                        </a:spcBef>
-                      </a:pPr>
-                      <a:r>
-                        <a:rPr dirty="0" u="sng" sz="1400" spc="-10" i="1">
-                          <a:uFill>
-                            <a:solidFill>
-                              <a:srgbClr val="000000"/>
-                            </a:solidFill>
-                          </a:uFill>
-                          <a:latin typeface="Calibri"/>
-                          <a:cs typeface="Calibri"/>
-                        </a:rPr>
-                        <a:t>section_code</a:t>
-                      </a:r>
-                      <a:r>
-                        <a:rPr dirty="0" sz="1400" spc="-10" i="1">
-                          <a:latin typeface="Calibri"/>
-                          <a:cs typeface="Calibri"/>
-                        </a:rPr>
-                        <a:t> section_name offer_class max_enrollment cur_enrollment</a:t>
-                      </a:r>
-                      <a:endParaRPr sz="1400">
-                        <a:latin typeface="Calibri"/>
-                        <a:cs typeface="Calibri"/>
-                      </a:endParaRPr>
-                    </a:p>
-                  </a:txBody>
-                  <a:tcPr marL="0" marR="0" marB="0" marT="34290">
-                    <a:lnT w="12700">
-                      <a:solidFill>
-                        <a:srgbClr val="000000"/>
-                      </a:solidFill>
-                      <a:prstDash val="solid"/>
-                    </a:lnT>
-                    <a:lnB w="12700">
-                      <a:solidFill>
-                        <a:srgbClr val="000000"/>
-                      </a:solidFill>
-                      <a:prstDash val="solid"/>
-                    </a:lnB>
-                  </a:tcPr>
-                </a:tc>
-              </a:tr>
-            </a:tbl>
-          </a:graphicData>
-        </a:graphic>
-      </p:graphicFrame>
-      <p:graphicFrame>
-        <p:nvGraphicFramePr>
-          <p:cNvPr id="24" name="object 24" descr=""/>
-          <p:cNvGraphicFramePr>
-            <a:graphicFrameLocks noGrp="1"/>
-          </p:cNvGraphicFramePr>
-          <p:nvPr/>
-        </p:nvGraphicFramePr>
-        <p:xfrm>
-          <a:off x="7444358" y="3676777"/>
-          <a:ext cx="1284605" cy="1676400"/>
-        </p:xfrm>
-        <a:graphic>
-          <a:graphicData uri="http://schemas.openxmlformats.org/drawingml/2006/table">
-            <a:tbl>
-              <a:tblPr firstRow="1" bandRow="1">
-                <a:tableStyleId>{2D5ABB26-0587-4C30-8999-92F81FD0307C}</a:tableStyleId>
-              </a:tblPr>
-              <a:tblGrid>
-                <a:gridCol w="1271905"/>
+                <a:gridCol w="1271905">
+                  <a:extLst>
+                    <a:ext uri="{9D8B030D-6E8A-4147-A177-3AD203B41FA5}">
+                      <a16:colId xmlns:a16="http://schemas.microsoft.com/office/drawing/2014/main" val="20000"/>
+                    </a:ext>
+                  </a:extLst>
+                </a:gridCol>
               </a:tblGrid>
               <a:tr h="304800">
                 <a:tc>
@@ -2669,7 +2203,7 @@
                         </a:spcBef>
                       </a:pPr>
                       <a:r>
-                        <a:rPr dirty="0" sz="1400" spc="-10">
+                        <a:rPr sz="1400" spc="-10" dirty="0">
                           <a:latin typeface="Times New Roman"/>
                           <a:cs typeface="Times New Roman"/>
                         </a:rPr>
@@ -2681,7 +2215,7 @@
                       </a:endParaRPr>
                     </a:p>
                   </a:txBody>
-                  <a:tcPr marL="0" marR="0" marB="0" marT="41275">
+                  <a:tcPr marL="0" marR="0" marT="41275" marB="0">
                     <a:lnL w="12700">
                       <a:solidFill>
                         <a:srgbClr val="000000"/>
@@ -2711,6 +2245,11 @@
                     </a:solidFill>
                   </a:tcPr>
                 </a:tc>
+                <a:extLst>
+                  <a:ext uri="{0D108BD9-81ED-4DB2-BD59-A6C34878D82A}">
+                    <a16:rowId xmlns:a16="http://schemas.microsoft.com/office/drawing/2014/main" val="10000"/>
+                  </a:ext>
+                </a:extLst>
               </a:tr>
               <a:tr h="1371600">
                 <a:tc>
@@ -2727,7 +2266,7 @@
                         </a:spcBef>
                       </a:pPr>
                       <a:r>
-                        <a:rPr dirty="0" u="sng" sz="1400" spc="-10" i="1">
+                        <a:rPr sz="1400" i="1" u="sng" spc="-10" dirty="0">
                           <a:uFill>
                             <a:solidFill>
                               <a:srgbClr val="000000"/>
@@ -2739,13 +2278,13 @@
                         <a:t>course_id</a:t>
                       </a:r>
                       <a:r>
-                        <a:rPr dirty="0" sz="1400" spc="-10" i="1">
+                        <a:rPr sz="1400" i="1" spc="-10" dirty="0">
                           <a:latin typeface="Calibri"/>
                           <a:cs typeface="Calibri"/>
                         </a:rPr>
                         <a:t> course_name offer_dept grade</a:t>
                       </a:r>
-                      <a:endParaRPr sz="1400">
+                      <a:endParaRPr sz="1400" dirty="0">
                         <a:latin typeface="Calibri"/>
                         <a:cs typeface="Calibri"/>
                       </a:endParaRPr>
@@ -2757,26 +2296,19 @@
                         </a:lnSpc>
                       </a:pPr>
                       <a:r>
-                        <a:rPr dirty="0" sz="1400" spc="-10" i="1">
+                        <a:rPr sz="1400" i="1" spc="-10" dirty="0">
                           <a:latin typeface="Calibri"/>
                           <a:cs typeface="Calibri"/>
                         </a:rPr>
-                        <a:t>credit</a:t>
+                        <a:t>credit course_type</a:t>
                       </a:r>
-                      <a:r>
-                        <a:rPr dirty="0" sz="1400" spc="-10" i="1">
-                          <a:latin typeface="Calibri"/>
-                          <a:cs typeface="Calibri"/>
-                        </a:rPr>
-                        <a:t> course_type</a:t>
-                      </a:r>
-                      <a:endParaRPr sz="1400">
+                      <a:endParaRPr sz="1400" dirty="0">
                         <a:latin typeface="Calibri"/>
                         <a:cs typeface="Calibri"/>
                       </a:endParaRPr>
                     </a:p>
                   </a:txBody>
-                  <a:tcPr marL="0" marR="0" marB="0" marT="34925">
+                  <a:tcPr marL="0" marR="0" marT="34925" marB="0">
                     <a:lnL w="12700">
                       <a:solidFill>
                         <a:srgbClr val="000000"/>
@@ -2803,6 +2335,11 @@
                     </a:lnB>
                   </a:tcPr>
                 </a:tc>
+                <a:extLst>
+                  <a:ext uri="{0D108BD9-81ED-4DB2-BD59-A6C34878D82A}">
+                    <a16:rowId xmlns:a16="http://schemas.microsoft.com/office/drawing/2014/main" val="10001"/>
+                  </a:ext>
+                </a:extLst>
               </a:tr>
             </a:tbl>
           </a:graphicData>
@@ -2810,7 +2347,7 @@
       </p:graphicFrame>
       <p:sp>
         <p:nvSpPr>
-          <p:cNvPr id="25" name="object 25" descr=""/>
+          <p:cNvPr id="25" name="object 25"/>
           <p:cNvSpPr txBox="1"/>
           <p:nvPr/>
         </p:nvSpPr>
@@ -2824,7 +2361,7 @@
           </a:prstGeom>
         </p:spPr>
         <p:txBody>
-          <a:bodyPr wrap="square" lIns="0" tIns="13335" rIns="0" bIns="0" rtlCol="0" vert="horz">
+          <a:bodyPr vert="horz" wrap="square" lIns="0" tIns="13335" rIns="0" bIns="0" rtlCol="0">
             <a:spAutoFit/>
           </a:bodyPr>
           <a:lstStyle/>
@@ -2838,7 +2375,7 @@
               </a:spcBef>
             </a:pPr>
             <a:r>
-              <a:rPr dirty="0" sz="1400" spc="-10">
+              <a:rPr sz="1400" spc="-10" dirty="0">
                 <a:latin typeface="Times New Roman"/>
                 <a:cs typeface="Times New Roman"/>
               </a:rPr>
@@ -2853,7 +2390,7 @@
       </p:sp>
       <p:grpSp>
         <p:nvGrpSpPr>
-          <p:cNvPr id="26" name="object 26" descr=""/>
+          <p:cNvPr id="26" name="object 26"/>
           <p:cNvGrpSpPr/>
           <p:nvPr/>
         </p:nvGrpSpPr>
@@ -2867,7 +2404,7 @@
         </p:grpSpPr>
         <p:sp>
           <p:nvSpPr>
-            <p:cNvPr id="27" name="object 27" descr=""/>
+            <p:cNvPr id="27" name="object 27"/>
             <p:cNvSpPr/>
             <p:nvPr/>
           </p:nvSpPr>
@@ -2918,12 +2455,14 @@
           <p:txBody>
             <a:bodyPr wrap="square" lIns="0" tIns="0" rIns="0" bIns="0" rtlCol="0"/>
             <a:lstStyle/>
-            <a:p/>
+            <a:p>
+              <a:endParaRPr/>
+            </a:p>
           </p:txBody>
         </p:sp>
         <p:sp>
           <p:nvSpPr>
-            <p:cNvPr id="28" name="object 28" descr=""/>
+            <p:cNvPr id="28" name="object 28"/>
             <p:cNvSpPr/>
             <p:nvPr/>
           </p:nvSpPr>
@@ -2966,12 +2505,14 @@
           <p:txBody>
             <a:bodyPr wrap="square" lIns="0" tIns="0" rIns="0" bIns="0" rtlCol="0"/>
             <a:lstStyle/>
-            <a:p/>
+            <a:p>
+              <a:endParaRPr/>
+            </a:p>
           </p:txBody>
         </p:sp>
         <p:sp>
           <p:nvSpPr>
-            <p:cNvPr id="29" name="object 29" descr=""/>
+            <p:cNvPr id="29" name="object 29"/>
             <p:cNvSpPr/>
             <p:nvPr/>
           </p:nvSpPr>
@@ -3016,13 +2557,15 @@
           <p:txBody>
             <a:bodyPr wrap="square" lIns="0" tIns="0" rIns="0" bIns="0" rtlCol="0"/>
             <a:lstStyle/>
-            <a:p/>
+            <a:p>
+              <a:endParaRPr/>
+            </a:p>
           </p:txBody>
         </p:sp>
       </p:grpSp>
       <p:sp>
         <p:nvSpPr>
-          <p:cNvPr id="30" name="object 30" descr=""/>
+          <p:cNvPr id="30" name="object 30"/>
           <p:cNvSpPr txBox="1"/>
           <p:nvPr/>
         </p:nvSpPr>
@@ -3036,7 +2579,7 @@
           </a:prstGeom>
         </p:spPr>
         <p:txBody>
-          <a:bodyPr wrap="square" lIns="0" tIns="13335" rIns="0" bIns="0" rtlCol="0" vert="horz">
+          <a:bodyPr vert="horz" wrap="square" lIns="0" tIns="13335" rIns="0" bIns="0" rtlCol="0">
             <a:spAutoFit/>
           </a:bodyPr>
           <a:lstStyle/>
@@ -3050,7 +2593,7 @@
               </a:spcBef>
             </a:pPr>
             <a:r>
-              <a:rPr dirty="0" sz="1400" spc="-10">
+              <a:rPr sz="1400" spc="-10" dirty="0">
                 <a:latin typeface="Times New Roman"/>
                 <a:cs typeface="Times New Roman"/>
               </a:rPr>
@@ -3065,7 +2608,7 @@
       </p:sp>
       <p:sp>
         <p:nvSpPr>
-          <p:cNvPr id="31" name="object 31" descr=""/>
+          <p:cNvPr id="31" name="object 31"/>
           <p:cNvSpPr/>
           <p:nvPr/>
         </p:nvSpPr>
@@ -3108,12 +2651,14 @@
         <p:txBody>
           <a:bodyPr wrap="square" lIns="0" tIns="0" rIns="0" bIns="0" rtlCol="0"/>
           <a:lstStyle/>
-          <a:p/>
+          <a:p>
+            <a:endParaRPr/>
+          </a:p>
         </p:txBody>
       </p:sp>
       <p:sp>
         <p:nvSpPr>
-          <p:cNvPr id="32" name="object 32" descr=""/>
+          <p:cNvPr id="32" name="object 32"/>
           <p:cNvSpPr txBox="1"/>
           <p:nvPr/>
         </p:nvSpPr>
@@ -3135,7 +2680,7 @@
           </a:ln>
         </p:spPr>
         <p:txBody>
-          <a:bodyPr wrap="square" lIns="0" tIns="40640" rIns="0" bIns="0" rtlCol="0" vert="horz">
+          <a:bodyPr vert="horz" wrap="square" lIns="0" tIns="40640" rIns="0" bIns="0" rtlCol="0">
             <a:spAutoFit/>
           </a:bodyPr>
           <a:lstStyle/>
@@ -3149,7 +2694,7 @@
               </a:spcBef>
             </a:pPr>
             <a:r>
-              <a:rPr dirty="0" sz="1400" spc="-10">
+              <a:rPr sz="1400" spc="-10" dirty="0">
                 <a:latin typeface="Times New Roman"/>
                 <a:cs typeface="Times New Roman"/>
               </a:rPr>
@@ -3164,7 +2709,7 @@
       </p:sp>
       <p:sp>
         <p:nvSpPr>
-          <p:cNvPr id="33" name="object 33" descr=""/>
+          <p:cNvPr id="33" name="object 33"/>
           <p:cNvSpPr txBox="1"/>
           <p:nvPr/>
         </p:nvSpPr>
@@ -3183,7 +2728,7 @@
           </a:ln>
         </p:spPr>
         <p:txBody>
-          <a:bodyPr wrap="square" lIns="0" tIns="34925" rIns="0" bIns="0" rtlCol="0" vert="horz">
+          <a:bodyPr vert="horz" wrap="square" lIns="0" tIns="34925" rIns="0" bIns="0" rtlCol="0">
             <a:spAutoFit/>
           </a:bodyPr>
           <a:lstStyle/>
@@ -3197,7 +2742,7 @@
               </a:spcBef>
             </a:pPr>
             <a:r>
-              <a:rPr dirty="0" u="sng" sz="1400" spc="-10" i="1">
+              <a:rPr sz="1400" i="1" u="sng" spc="-10" dirty="0">
                 <a:uFill>
                   <a:solidFill>
                     <a:srgbClr val="000000"/>
@@ -3209,7 +2754,7 @@
               <a:t>instructor_id</a:t>
             </a:r>
             <a:r>
-              <a:rPr dirty="0" sz="1400" spc="-10" i="1">
+              <a:rPr sz="1400" i="1" spc="-10" dirty="0">
                 <a:latin typeface="Calibri"/>
                 <a:cs typeface="Calibri"/>
               </a:rPr>
@@ -3224,7 +2769,7 @@
       </p:sp>
       <p:grpSp>
         <p:nvGrpSpPr>
-          <p:cNvPr id="34" name="object 34" descr=""/>
+          <p:cNvPr id="34" name="object 34"/>
           <p:cNvGrpSpPr/>
           <p:nvPr/>
         </p:nvGrpSpPr>
@@ -3238,7 +2783,7 @@
         </p:grpSpPr>
         <p:sp>
           <p:nvSpPr>
-            <p:cNvPr id="35" name="object 35" descr=""/>
+            <p:cNvPr id="35" name="object 35"/>
             <p:cNvSpPr/>
             <p:nvPr/>
           </p:nvSpPr>
@@ -3281,12 +2826,14 @@
           <p:txBody>
             <a:bodyPr wrap="square" lIns="0" tIns="0" rIns="0" bIns="0" rtlCol="0"/>
             <a:lstStyle/>
-            <a:p/>
+            <a:p>
+              <a:endParaRPr/>
+            </a:p>
           </p:txBody>
         </p:sp>
         <p:sp>
           <p:nvSpPr>
-            <p:cNvPr id="36" name="object 36" descr=""/>
+            <p:cNvPr id="36" name="object 36"/>
             <p:cNvSpPr/>
             <p:nvPr/>
           </p:nvSpPr>
@@ -3331,13 +2878,15 @@
           <p:txBody>
             <a:bodyPr wrap="square" lIns="0" tIns="0" rIns="0" bIns="0" rtlCol="0"/>
             <a:lstStyle/>
-            <a:p/>
+            <a:p>
+              <a:endParaRPr/>
+            </a:p>
           </p:txBody>
         </p:sp>
       </p:grpSp>
       <p:sp>
         <p:nvSpPr>
-          <p:cNvPr id="37" name="object 37" descr=""/>
+          <p:cNvPr id="37" name="object 37"/>
           <p:cNvSpPr txBox="1"/>
           <p:nvPr/>
         </p:nvSpPr>
@@ -3351,7 +2900,7 @@
           </a:prstGeom>
         </p:spPr>
         <p:txBody>
-          <a:bodyPr wrap="square" lIns="0" tIns="13335" rIns="0" bIns="0" rtlCol="0" vert="horz">
+          <a:bodyPr vert="horz" wrap="square" lIns="0" tIns="13335" rIns="0" bIns="0" rtlCol="0">
             <a:spAutoFit/>
           </a:bodyPr>
           <a:lstStyle/>
@@ -3365,7 +2914,7 @@
               </a:spcBef>
             </a:pPr>
             <a:r>
-              <a:rPr dirty="0" sz="1400" spc="-10">
+              <a:rPr sz="1400" spc="-10" dirty="0">
                 <a:latin typeface="Times New Roman"/>
                 <a:cs typeface="Times New Roman"/>
               </a:rPr>
@@ -3380,7 +2929,7 @@
       </p:sp>
       <p:grpSp>
         <p:nvGrpSpPr>
-          <p:cNvPr id="38" name="object 38" descr=""/>
+          <p:cNvPr id="38" name="object 38"/>
           <p:cNvGrpSpPr/>
           <p:nvPr/>
         </p:nvGrpSpPr>
@@ -3394,7 +2943,7 @@
         </p:grpSpPr>
         <p:sp>
           <p:nvSpPr>
-            <p:cNvPr id="39" name="object 39" descr=""/>
+            <p:cNvPr id="39" name="object 39"/>
             <p:cNvSpPr/>
             <p:nvPr/>
           </p:nvSpPr>
@@ -3437,12 +2986,14 @@
           <p:txBody>
             <a:bodyPr wrap="square" lIns="0" tIns="0" rIns="0" bIns="0" rtlCol="0"/>
             <a:lstStyle/>
-            <a:p/>
+            <a:p>
+              <a:endParaRPr/>
+            </a:p>
           </p:txBody>
         </p:sp>
         <p:sp>
           <p:nvSpPr>
-            <p:cNvPr id="40" name="object 40" descr=""/>
+            <p:cNvPr id="40" name="object 40"/>
             <p:cNvSpPr/>
             <p:nvPr/>
           </p:nvSpPr>
@@ -3524,13 +3075,15 @@
           <p:txBody>
             <a:bodyPr wrap="square" lIns="0" tIns="0" rIns="0" bIns="0" rtlCol="0"/>
             <a:lstStyle/>
-            <a:p/>
+            <a:p>
+              <a:endParaRPr/>
+            </a:p>
           </p:txBody>
         </p:sp>
       </p:grpSp>
       <p:sp>
         <p:nvSpPr>
-          <p:cNvPr id="41" name="object 41" descr=""/>
+          <p:cNvPr id="41" name="object 41"/>
           <p:cNvSpPr/>
           <p:nvPr/>
         </p:nvSpPr>
@@ -3573,12 +3126,14 @@
         <p:txBody>
           <a:bodyPr wrap="square" lIns="0" tIns="0" rIns="0" bIns="0" rtlCol="0"/>
           <a:lstStyle/>
-          <a:p/>
+          <a:p>
+            <a:endParaRPr/>
+          </a:p>
         </p:txBody>
       </p:sp>
       <p:graphicFrame>
         <p:nvGraphicFramePr>
-          <p:cNvPr id="42" name="object 42" descr=""/>
+          <p:cNvPr id="42" name="object 42"/>
           <p:cNvGraphicFramePr>
             <a:graphicFrameLocks noGrp="1"/>
           </p:cNvGraphicFramePr>
@@ -3586,7 +3141,7 @@
         </p:nvGraphicFramePr>
         <p:xfrm>
           <a:off x="203250" y="2364104"/>
-          <a:ext cx="1355725" cy="822960"/>
+          <a:ext cx="1343025" cy="822959"/>
         </p:xfrm>
         <a:graphic>
           <a:graphicData uri="http://schemas.openxmlformats.org/drawingml/2006/table">
@@ -3595,7 +3150,13 @@
                 <a:tableStyleId>{2D5ABB26-0587-4C30-8999-92F81FD0307C}</a:tableStyleId>
               </a:tblPr>
               <a:tblGrid>
-                <a:gridCol w="1343025"/>
+                <a:gridCol w="1343025">
+                  <a:extLst>
+                    <a:ext uri="{9D8B030D-6E8A-4147-A177-3AD203B41FA5}">
+                      <a16:colId xmlns:a16="http://schemas.microsoft.com/office/drawing/2014/main" val="20000"/>
+                    </a:ext>
+                  </a:extLst>
+                </a:gridCol>
               </a:tblGrid>
               <a:tr h="304800">
                 <a:tc>
@@ -3612,7 +3173,7 @@
                         </a:spcBef>
                       </a:pPr>
                       <a:r>
-                        <a:rPr dirty="0" sz="1400" spc="-10">
+                        <a:rPr sz="1400" spc="-10" dirty="0">
                           <a:latin typeface="Times New Roman"/>
                           <a:cs typeface="Times New Roman"/>
                         </a:rPr>
@@ -3624,7 +3185,7 @@
                       </a:endParaRPr>
                     </a:p>
                   </a:txBody>
-                  <a:tcPr marL="0" marR="0" marB="0" marT="40640">
+                  <a:tcPr marL="0" marR="0" marT="40640" marB="0">
                     <a:lnL w="12700">
                       <a:solidFill>
                         <a:srgbClr val="000000"/>
@@ -3654,6 +3215,11 @@
                     </a:solidFill>
                   </a:tcPr>
                 </a:tc>
+                <a:extLst>
+                  <a:ext uri="{0D108BD9-81ED-4DB2-BD59-A6C34878D82A}">
+                    <a16:rowId xmlns:a16="http://schemas.microsoft.com/office/drawing/2014/main" val="10000"/>
+                  </a:ext>
+                </a:extLst>
               </a:tr>
               <a:tr h="518159">
                 <a:tc>
@@ -3670,7 +3236,7 @@
                         </a:spcBef>
                       </a:pPr>
                       <a:r>
-                        <a:rPr dirty="0" u="sng" sz="1400" spc="-10" i="1">
+                        <a:rPr sz="1400" i="1" u="sng" spc="-10" dirty="0">
                           <a:uFill>
                             <a:solidFill>
                               <a:srgbClr val="000000"/>
@@ -3696,7 +3262,7 @@
                         </a:spcBef>
                       </a:pPr>
                       <a:r>
-                        <a:rPr dirty="0" sz="1400" spc="-10" i="1">
+                        <a:rPr sz="1400" i="1" spc="-10" dirty="0">
                           <a:latin typeface="Calibri"/>
                           <a:cs typeface="Calibri"/>
                         </a:rPr>
@@ -3708,7 +3274,7 @@
                       </a:endParaRPr>
                     </a:p>
                   </a:txBody>
-                  <a:tcPr marL="0" marR="0" marB="0" marT="34290">
+                  <a:tcPr marL="0" marR="0" marT="34290" marB="0">
                     <a:lnL w="12700">
                       <a:solidFill>
                         <a:srgbClr val="000000"/>
@@ -3735,6 +3301,11 @@
                     </a:lnB>
                   </a:tcPr>
                 </a:tc>
+                <a:extLst>
+                  <a:ext uri="{0D108BD9-81ED-4DB2-BD59-A6C34878D82A}">
+                    <a16:rowId xmlns:a16="http://schemas.microsoft.com/office/drawing/2014/main" val="10001"/>
+                  </a:ext>
+                </a:extLst>
               </a:tr>
             </a:tbl>
           </a:graphicData>
@@ -3742,7 +3313,7 @@
       </p:graphicFrame>
       <p:grpSp>
         <p:nvGrpSpPr>
-          <p:cNvPr id="43" name="object 43" descr=""/>
+          <p:cNvPr id="43" name="object 43"/>
           <p:cNvGrpSpPr/>
           <p:nvPr/>
         </p:nvGrpSpPr>
@@ -3756,7 +3327,7 @@
         </p:grpSpPr>
         <p:sp>
           <p:nvSpPr>
-            <p:cNvPr id="44" name="object 44" descr=""/>
+            <p:cNvPr id="44" name="object 44"/>
             <p:cNvSpPr/>
             <p:nvPr/>
           </p:nvSpPr>
@@ -3799,12 +3370,14 @@
           <p:txBody>
             <a:bodyPr wrap="square" lIns="0" tIns="0" rIns="0" bIns="0" rtlCol="0"/>
             <a:lstStyle/>
-            <a:p/>
+            <a:p>
+              <a:endParaRPr/>
+            </a:p>
           </p:txBody>
         </p:sp>
         <p:sp>
           <p:nvSpPr>
-            <p:cNvPr id="45" name="object 45" descr=""/>
+            <p:cNvPr id="45" name="object 45"/>
             <p:cNvSpPr/>
             <p:nvPr/>
           </p:nvSpPr>
@@ -3849,13 +3422,15 @@
           <p:txBody>
             <a:bodyPr wrap="square" lIns="0" tIns="0" rIns="0" bIns="0" rtlCol="0"/>
             <a:lstStyle/>
-            <a:p/>
+            <a:p>
+              <a:endParaRPr/>
+            </a:p>
           </p:txBody>
         </p:sp>
       </p:grpSp>
       <p:sp>
         <p:nvSpPr>
-          <p:cNvPr id="46" name="object 46" descr=""/>
+          <p:cNvPr id="46" name="object 46"/>
           <p:cNvSpPr txBox="1"/>
           <p:nvPr/>
         </p:nvSpPr>
@@ -3869,7 +3444,7 @@
           </a:prstGeom>
         </p:spPr>
         <p:txBody>
-          <a:bodyPr wrap="square" lIns="0" tIns="13335" rIns="0" bIns="0" rtlCol="0" vert="horz">
+          <a:bodyPr vert="horz" wrap="square" lIns="0" tIns="13335" rIns="0" bIns="0" rtlCol="0">
             <a:spAutoFit/>
           </a:bodyPr>
           <a:lstStyle/>
@@ -3883,7 +3458,7 @@
               </a:spcBef>
             </a:pPr>
             <a:r>
-              <a:rPr dirty="0" sz="1400" spc="-10">
+              <a:rPr sz="1400" spc="-10" dirty="0">
                 <a:latin typeface="Times New Roman"/>
                 <a:cs typeface="Times New Roman"/>
               </a:rPr>
@@ -3898,7 +3473,7 @@
       </p:sp>
       <p:grpSp>
         <p:nvGrpSpPr>
-          <p:cNvPr id="47" name="object 47" descr=""/>
+          <p:cNvPr id="47" name="object 47"/>
           <p:cNvGrpSpPr/>
           <p:nvPr/>
         </p:nvGrpSpPr>
@@ -3912,7 +3487,7 @@
         </p:grpSpPr>
         <p:sp>
           <p:nvSpPr>
-            <p:cNvPr id="48" name="object 48" descr=""/>
+            <p:cNvPr id="48" name="object 48"/>
             <p:cNvSpPr/>
             <p:nvPr/>
           </p:nvSpPr>
@@ -3947,12 +3522,14 @@
           <p:txBody>
             <a:bodyPr wrap="square" lIns="0" tIns="0" rIns="0" bIns="0" rtlCol="0"/>
             <a:lstStyle/>
-            <a:p/>
+            <a:p>
+              <a:endParaRPr/>
+            </a:p>
           </p:txBody>
         </p:sp>
         <p:sp>
           <p:nvSpPr>
-            <p:cNvPr id="49" name="object 49" descr=""/>
+            <p:cNvPr id="49" name="object 49"/>
             <p:cNvSpPr/>
             <p:nvPr/>
           </p:nvSpPr>
@@ -3995,12 +3572,14 @@
           <p:txBody>
             <a:bodyPr wrap="square" lIns="0" tIns="0" rIns="0" bIns="0" rtlCol="0"/>
             <a:lstStyle/>
-            <a:p/>
+            <a:p>
+              <a:endParaRPr/>
+            </a:p>
           </p:txBody>
         </p:sp>
         <p:sp>
           <p:nvSpPr>
-            <p:cNvPr id="50" name="object 50" descr=""/>
+            <p:cNvPr id="50" name="object 50"/>
             <p:cNvSpPr/>
             <p:nvPr/>
           </p:nvSpPr>
@@ -4045,13 +3624,15 @@
           <p:txBody>
             <a:bodyPr wrap="square" lIns="0" tIns="0" rIns="0" bIns="0" rtlCol="0"/>
             <a:lstStyle/>
-            <a:p/>
+            <a:p>
+              <a:endParaRPr/>
+            </a:p>
           </p:txBody>
         </p:sp>
       </p:grpSp>
       <p:sp>
         <p:nvSpPr>
-          <p:cNvPr id="51" name="object 51" descr=""/>
+          <p:cNvPr id="51" name="object 51"/>
           <p:cNvSpPr txBox="1"/>
           <p:nvPr/>
         </p:nvSpPr>
@@ -4065,7 +3646,7 @@
           </a:prstGeom>
         </p:spPr>
         <p:txBody>
-          <a:bodyPr wrap="square" lIns="0" tIns="13335" rIns="0" bIns="0" rtlCol="0" vert="horz">
+          <a:bodyPr vert="horz" wrap="square" lIns="0" tIns="13335" rIns="0" bIns="0" rtlCol="0">
             <a:spAutoFit/>
           </a:bodyPr>
           <a:lstStyle/>
@@ -4079,7 +3660,7 @@
               </a:spcBef>
             </a:pPr>
             <a:r>
-              <a:rPr dirty="0" sz="1400" spc="-10">
+              <a:rPr sz="1400" spc="-10" dirty="0">
                 <a:latin typeface="Times New Roman"/>
                 <a:cs typeface="Times New Roman"/>
               </a:rPr>
@@ -4094,7 +3675,7 @@
       </p:sp>
       <p:graphicFrame>
         <p:nvGraphicFramePr>
-          <p:cNvPr id="52" name="object 52" descr=""/>
+          <p:cNvPr id="52" name="object 52"/>
           <p:cNvGraphicFramePr>
             <a:graphicFrameLocks noGrp="1"/>
           </p:cNvGraphicFramePr>
@@ -4102,7 +3683,7 @@
         </p:nvGraphicFramePr>
         <p:xfrm>
           <a:off x="10454385" y="910463"/>
-          <a:ext cx="1685289" cy="1099185"/>
+          <a:ext cx="1671955" cy="1099185"/>
         </p:xfrm>
         <a:graphic>
           <a:graphicData uri="http://schemas.openxmlformats.org/drawingml/2006/table">
@@ -4111,8 +3692,20 @@
                 <a:tableStyleId>{2D5ABB26-0587-4C30-8999-92F81FD0307C}</a:tableStyleId>
               </a:tblPr>
               <a:tblGrid>
-                <a:gridCol w="267970"/>
-                <a:gridCol w="1403985"/>
+                <a:gridCol w="267970">
+                  <a:extLst>
+                    <a:ext uri="{9D8B030D-6E8A-4147-A177-3AD203B41FA5}">
+                      <a16:colId xmlns:a16="http://schemas.microsoft.com/office/drawing/2014/main" val="20000"/>
+                    </a:ext>
+                  </a:extLst>
+                </a:gridCol>
+                <a:gridCol w="1403985">
+                  <a:extLst>
+                    <a:ext uri="{9D8B030D-6E8A-4147-A177-3AD203B41FA5}">
+                      <a16:colId xmlns:a16="http://schemas.microsoft.com/office/drawing/2014/main" val="20001"/>
+                    </a:ext>
+                  </a:extLst>
+                </a:gridCol>
               </a:tblGrid>
               <a:tr h="304800">
                 <a:tc rowSpan="2">
@@ -4131,7 +3724,7 @@
                       </a:endParaRPr>
                     </a:p>
                   </a:txBody>
-                  <a:tcPr marL="0" marR="0" marB="0" marT="0">
+                  <a:tcPr marL="0" marR="0" marT="0" marB="0">
                     <a:lnR w="12700">
                       <a:solidFill>
                         <a:srgbClr val="000000"/>
@@ -4160,7 +3753,7 @@
                         </a:spcBef>
                       </a:pPr>
                       <a:r>
-                        <a:rPr dirty="0" sz="1400" spc="-10">
+                        <a:rPr sz="1400" spc="-10" dirty="0">
                           <a:latin typeface="Times New Roman"/>
                           <a:cs typeface="Times New Roman"/>
                         </a:rPr>
@@ -4172,7 +3765,7 @@
                       </a:endParaRPr>
                     </a:p>
                   </a:txBody>
-                  <a:tcPr marL="0" marR="0" marB="0" marT="40640">
+                  <a:tcPr marL="0" marR="0" marT="40640" marB="0">
                     <a:lnL w="12700">
                       <a:solidFill>
                         <a:srgbClr val="000000"/>
@@ -4202,6 +3795,11 @@
                     </a:solidFill>
                   </a:tcPr>
                 </a:tc>
+                <a:extLst>
+                  <a:ext uri="{0D108BD9-81ED-4DB2-BD59-A6C34878D82A}">
+                    <a16:rowId xmlns:a16="http://schemas.microsoft.com/office/drawing/2014/main" val="10000"/>
+                  </a:ext>
+                </a:extLst>
               </a:tr>
               <a:tr h="268605">
                 <a:tc vMerge="1">
@@ -4209,10 +3807,10 @@
                     <a:bodyPr/>
                     <a:lstStyle/>
                     <a:p>
-                      <a:pPr/>
+                      <a:endParaRPr/>
                     </a:p>
                   </a:txBody>
-                  <a:tcPr marL="0" marR="0" marB="0" marT="0">
+                  <a:tcPr marL="0" marR="0" marT="0" marB="0">
                     <a:lnR w="12700">
                       <a:solidFill>
                         <a:srgbClr val="000000"/>
@@ -4241,7 +3839,7 @@
                         </a:spcBef>
                       </a:pPr>
                       <a:r>
-                        <a:rPr dirty="0" u="dash" sz="1400" spc="-10" i="1">
+                        <a:rPr sz="1400" i="1" u="dash" spc="-10" dirty="0">
                           <a:uFill>
                             <a:solidFill>
                               <a:srgbClr val="000000"/>
@@ -4253,14 +3851,14 @@
                         <a:t>week_time</a:t>
                       </a:r>
                       <a:r>
-                        <a:rPr dirty="0" sz="1400" spc="-10" i="1">
+                        <a:rPr sz="1400" i="1" spc="-10" dirty="0">
                           <a:latin typeface="Calibri"/>
                           <a:cs typeface="Calibri"/>
                         </a:rPr>
                         <a:t> </a:t>
                       </a:r>
                       <a:r>
-                        <a:rPr dirty="0" u="dash" sz="1400" spc="-10" i="1">
+                        <a:rPr sz="1400" i="1" u="dash" spc="-10" dirty="0">
                           <a:uFill>
                             <a:solidFill>
                               <a:srgbClr val="000000"/>
@@ -4272,14 +3870,14 @@
                         <a:t>starting_time</a:t>
                       </a:r>
                       <a:r>
-                        <a:rPr dirty="0" sz="1400" spc="-10" i="1">
+                        <a:rPr sz="1400" i="1" spc="-10" dirty="0">
                           <a:latin typeface="Calibri"/>
                           <a:cs typeface="Calibri"/>
                         </a:rPr>
                         <a:t> </a:t>
                       </a:r>
                       <a:r>
-                        <a:rPr dirty="0" u="dash" sz="1400" spc="-10" i="1">
+                        <a:rPr sz="1400" i="1" u="dash" spc="-10" dirty="0">
                           <a:uFill>
                             <a:solidFill>
                               <a:srgbClr val="000000"/>
@@ -4296,7 +3894,7 @@
                       </a:endParaRPr>
                     </a:p>
                   </a:txBody>
-                  <a:tcPr marL="0" marR="0" marB="0" marT="34290">
+                  <a:tcPr marL="0" marR="0" marT="34290" marB="0">
                     <a:lnL w="12700">
                       <a:solidFill>
                         <a:srgbClr val="000000"/>
@@ -4323,6 +3921,11 @@
                     </a:lnB>
                   </a:tcPr>
                 </a:tc>
+                <a:extLst>
+                  <a:ext uri="{0D108BD9-81ED-4DB2-BD59-A6C34878D82A}">
+                    <a16:rowId xmlns:a16="http://schemas.microsoft.com/office/drawing/2014/main" val="10001"/>
+                  </a:ext>
+                </a:extLst>
               </a:tr>
               <a:tr h="525780">
                 <a:tc>
@@ -4335,13 +3938,13 @@
                           <a:spcPct val="100000"/>
                         </a:lnSpc>
                       </a:pPr>
-                      <a:endParaRPr sz="1400">
+                      <a:endParaRPr sz="1400" dirty="0">
                         <a:latin typeface="Times New Roman"/>
                         <a:cs typeface="Times New Roman"/>
                       </a:endParaRPr>
                     </a:p>
                   </a:txBody>
-                  <a:tcPr marL="0" marR="0" marB="0" marT="0">
+                  <a:tcPr marL="0" marR="0" marT="0" marB="0">
                     <a:lnR w="12700">
                       <a:solidFill>
                         <a:srgbClr val="000000"/>
@@ -4361,10 +3964,10 @@
                     <a:bodyPr/>
                     <a:lstStyle/>
                     <a:p>
-                      <a:pPr/>
+                      <a:endParaRPr/>
                     </a:p>
                   </a:txBody>
-                  <a:tcPr marL="0" marR="0" marB="0" marT="34290">
+                  <a:tcPr marL="0" marR="0" marT="34290" marB="0">
                     <a:lnL w="12700">
                       <a:solidFill>
                         <a:srgbClr val="000000"/>
@@ -4391,6 +3994,11 @@
                     </a:lnB>
                   </a:tcPr>
                 </a:tc>
+                <a:extLst>
+                  <a:ext uri="{0D108BD9-81ED-4DB2-BD59-A6C34878D82A}">
+                    <a16:rowId xmlns:a16="http://schemas.microsoft.com/office/drawing/2014/main" val="10002"/>
+                  </a:ext>
+                </a:extLst>
               </a:tr>
             </a:tbl>
           </a:graphicData>
@@ -4398,7 +4006,7 @@
       </p:graphicFrame>
       <p:grpSp>
         <p:nvGrpSpPr>
-          <p:cNvPr id="53" name="object 53" descr=""/>
+          <p:cNvPr id="53" name="object 53"/>
           <p:cNvGrpSpPr/>
           <p:nvPr/>
         </p:nvGrpSpPr>
@@ -4412,7 +4020,7 @@
         </p:grpSpPr>
         <p:sp>
           <p:nvSpPr>
-            <p:cNvPr id="54" name="object 54" descr=""/>
+            <p:cNvPr id="54" name="object 54"/>
             <p:cNvSpPr/>
             <p:nvPr/>
           </p:nvSpPr>
@@ -4455,12 +4063,14 @@
           <p:txBody>
             <a:bodyPr wrap="square" lIns="0" tIns="0" rIns="0" bIns="0" rtlCol="0"/>
             <a:lstStyle/>
-            <a:p/>
+            <a:p>
+              <a:endParaRPr/>
+            </a:p>
           </p:txBody>
         </p:sp>
         <p:sp>
           <p:nvSpPr>
-            <p:cNvPr id="55" name="object 55" descr=""/>
+            <p:cNvPr id="55" name="object 55"/>
             <p:cNvSpPr/>
             <p:nvPr/>
           </p:nvSpPr>
@@ -4505,13 +4115,15 @@
           <p:txBody>
             <a:bodyPr wrap="square" lIns="0" tIns="0" rIns="0" bIns="0" rtlCol="0"/>
             <a:lstStyle/>
-            <a:p/>
+            <a:p>
+              <a:endParaRPr/>
+            </a:p>
           </p:txBody>
         </p:sp>
       </p:grpSp>
       <p:sp>
         <p:nvSpPr>
-          <p:cNvPr id="56" name="object 56" descr=""/>
+          <p:cNvPr id="56" name="object 56"/>
           <p:cNvSpPr txBox="1"/>
           <p:nvPr/>
         </p:nvSpPr>
@@ -4525,7 +4137,7 @@
           </a:prstGeom>
         </p:spPr>
         <p:txBody>
-          <a:bodyPr wrap="square" lIns="0" tIns="13335" rIns="0" bIns="0" rtlCol="0" vert="horz">
+          <a:bodyPr vert="horz" wrap="square" lIns="0" tIns="13335" rIns="0" bIns="0" rtlCol="0">
             <a:spAutoFit/>
           </a:bodyPr>
           <a:lstStyle/>
@@ -4539,7 +4151,7 @@
               </a:spcBef>
             </a:pPr>
             <a:r>
-              <a:rPr dirty="0" sz="1400" spc="-10">
+              <a:rPr sz="1400" spc="-10" dirty="0">
                 <a:latin typeface="Times New Roman"/>
                 <a:cs typeface="Times New Roman"/>
               </a:rPr>
@@ -4554,7 +4166,7 @@
       </p:sp>
       <p:grpSp>
         <p:nvGrpSpPr>
-          <p:cNvPr id="57" name="object 57" descr=""/>
+          <p:cNvPr id="57" name="object 57"/>
           <p:cNvGrpSpPr/>
           <p:nvPr/>
         </p:nvGrpSpPr>
@@ -4568,7 +4180,7 @@
         </p:grpSpPr>
         <p:sp>
           <p:nvSpPr>
-            <p:cNvPr id="58" name="object 58" descr=""/>
+            <p:cNvPr id="58" name="object 58"/>
             <p:cNvSpPr/>
             <p:nvPr/>
           </p:nvSpPr>
@@ -4611,12 +4223,14 @@
           <p:txBody>
             <a:bodyPr wrap="square" lIns="0" tIns="0" rIns="0" bIns="0" rtlCol="0"/>
             <a:lstStyle/>
-            <a:p/>
+            <a:p>
+              <a:endParaRPr/>
+            </a:p>
           </p:txBody>
         </p:sp>
         <p:sp>
           <p:nvSpPr>
-            <p:cNvPr id="59" name="object 59" descr=""/>
+            <p:cNvPr id="59" name="object 59"/>
             <p:cNvSpPr/>
             <p:nvPr/>
           </p:nvSpPr>
@@ -4661,13 +4275,15 @@
           <p:txBody>
             <a:bodyPr wrap="square" lIns="0" tIns="0" rIns="0" bIns="0" rtlCol="0"/>
             <a:lstStyle/>
-            <a:p/>
+            <a:p>
+              <a:endParaRPr/>
+            </a:p>
           </p:txBody>
         </p:sp>
       </p:grpSp>
       <p:sp>
         <p:nvSpPr>
-          <p:cNvPr id="60" name="object 60" descr=""/>
+          <p:cNvPr id="60" name="object 60"/>
           <p:cNvSpPr txBox="1"/>
           <p:nvPr/>
         </p:nvSpPr>
@@ -4681,7 +4297,7 @@
           </a:prstGeom>
         </p:spPr>
         <p:txBody>
-          <a:bodyPr wrap="square" lIns="0" tIns="12700" rIns="0" bIns="0" rtlCol="0" vert="horz">
+          <a:bodyPr vert="horz" wrap="square" lIns="0" tIns="12700" rIns="0" bIns="0" rtlCol="0">
             <a:spAutoFit/>
           </a:bodyPr>
           <a:lstStyle/>
@@ -4695,7 +4311,7 @@
               </a:spcBef>
             </a:pPr>
             <a:r>
-              <a:rPr dirty="0" sz="1400" spc="-10">
+              <a:rPr sz="1400" spc="-10" dirty="0">
                 <a:latin typeface="Times New Roman"/>
                 <a:cs typeface="Times New Roman"/>
               </a:rPr>
@@ -4708,6 +4324,457 @@
           </a:p>
         </p:txBody>
       </p:sp>
+      <p:graphicFrame>
+        <p:nvGraphicFramePr>
+          <p:cNvPr id="61" name="表格 60">
+            <a:extLst>
+              <a:ext uri="{FF2B5EF4-FFF2-40B4-BE49-F238E27FC236}">
+                <a16:creationId xmlns:a16="http://schemas.microsoft.com/office/drawing/2014/main" id="{B25683E9-1DEE-C922-5EAD-97B13593B893}"/>
+              </a:ext>
+            </a:extLst>
+          </p:cNvPr>
+          <p:cNvGraphicFramePr>
+            <a:graphicFrameLocks noGrp="1"/>
+          </p:cNvGraphicFramePr>
+          <p:nvPr>
+            <p:extLst>
+              <p:ext uri="{D42A27DB-BD31-4B8C-83A1-F6EECF244321}">
+                <p14:modId xmlns:p14="http://schemas.microsoft.com/office/powerpoint/2010/main" val="2770792457"/>
+              </p:ext>
+            </p:extLst>
+          </p:nvPr>
+        </p:nvGraphicFramePr>
+        <p:xfrm>
+          <a:off x="3866768" y="859027"/>
+          <a:ext cx="1343025" cy="1676400"/>
+        </p:xfrm>
+        <a:graphic>
+          <a:graphicData uri="http://schemas.openxmlformats.org/drawingml/2006/table">
+            <a:tbl>
+              <a:tblPr firstRow="1" bandRow="1">
+                <a:tableStyleId>{2D5ABB26-0587-4C30-8999-92F81FD0307C}</a:tableStyleId>
+              </a:tblPr>
+              <a:tblGrid>
+                <a:gridCol w="1343025">
+                  <a:extLst>
+                    <a:ext uri="{9D8B030D-6E8A-4147-A177-3AD203B41FA5}">
+                      <a16:colId xmlns:a16="http://schemas.microsoft.com/office/drawing/2014/main" val="3450262622"/>
+                    </a:ext>
+                  </a:extLst>
+                </a:gridCol>
+              </a:tblGrid>
+              <a:tr h="304800">
+                <a:tc>
+                  <a:txBody>
+                    <a:bodyPr/>
+                    <a:lstStyle/>
+                    <a:p>
+                      <a:pPr marL="382270">
+                        <a:lnSpc>
+                          <a:spcPct val="100000"/>
+                        </a:lnSpc>
+                        <a:spcBef>
+                          <a:spcPts val="325"/>
+                        </a:spcBef>
+                      </a:pPr>
+                      <a:r>
+                        <a:rPr lang="en-US" altLang="zh-TW" sz="1400" spc="-10" dirty="0">
+                          <a:latin typeface="Times New Roman"/>
+                          <a:cs typeface="Times New Roman"/>
+                        </a:rPr>
+                        <a:t>Student</a:t>
+                      </a:r>
+                      <a:endParaRPr sz="1400" dirty="0">
+                        <a:latin typeface="Times New Roman"/>
+                        <a:cs typeface="Times New Roman"/>
+                      </a:endParaRPr>
+                    </a:p>
+                  </a:txBody>
+                  <a:tcPr marL="0" marR="0" marT="41275" marB="0">
+                    <a:lnL w="12700">
+                      <a:solidFill>
+                        <a:srgbClr val="000000"/>
+                      </a:solidFill>
+                      <a:prstDash val="solid"/>
+                    </a:lnL>
+                    <a:lnR w="12700">
+                      <a:solidFill>
+                        <a:srgbClr val="000000"/>
+                      </a:solidFill>
+                      <a:prstDash val="solid"/>
+                    </a:lnR>
+                    <a:lnT w="12700">
+                      <a:solidFill>
+                        <a:srgbClr val="000000"/>
+                      </a:solidFill>
+                      <a:prstDash val="solid"/>
+                    </a:lnT>
+                    <a:lnB w="12700">
+                      <a:solidFill>
+                        <a:srgbClr val="000000"/>
+                      </a:solidFill>
+                      <a:prstDash val="solid"/>
+                    </a:lnB>
+                    <a:solidFill>
+                      <a:srgbClr val="E7E6E6"/>
+                    </a:solidFill>
+                  </a:tcPr>
+                </a:tc>
+                <a:extLst>
+                  <a:ext uri="{0D108BD9-81ED-4DB2-BD59-A6C34878D82A}">
+                    <a16:rowId xmlns:a16="http://schemas.microsoft.com/office/drawing/2014/main" val="1371985991"/>
+                  </a:ext>
+                </a:extLst>
+              </a:tr>
+              <a:tr h="1371600">
+                <a:tc>
+                  <a:txBody>
+                    <a:bodyPr/>
+                    <a:lstStyle/>
+                    <a:p>
+                      <a:pPr marL="91440" marR="199390">
+                        <a:lnSpc>
+                          <a:spcPct val="100000"/>
+                        </a:lnSpc>
+                        <a:spcBef>
+                          <a:spcPts val="270"/>
+                        </a:spcBef>
+                      </a:pPr>
+                      <a:r>
+                        <a:rPr lang="en-US" altLang="zh-TW" sz="1400" i="1" u="sng" spc="-10" dirty="0" err="1">
+                          <a:uFill>
+                            <a:solidFill>
+                              <a:srgbClr val="000000"/>
+                            </a:solidFill>
+                          </a:uFill>
+                          <a:latin typeface="+mn-lt"/>
+                          <a:cs typeface="Calibri"/>
+                        </a:rPr>
+                        <a:t>student_id</a:t>
+                      </a:r>
+                      <a:r>
+                        <a:rPr lang="en-US" altLang="zh-TW" sz="1400" i="1" spc="-10" dirty="0">
+                          <a:latin typeface="+mn-lt"/>
+                          <a:cs typeface="Calibri"/>
+                        </a:rPr>
+                        <a:t> </a:t>
+                      </a:r>
+                      <a:r>
+                        <a:rPr lang="en-US" altLang="zh-TW" sz="1400" i="1" spc="-10" dirty="0" err="1">
+                          <a:latin typeface="+mn-lt"/>
+                          <a:cs typeface="Calibri"/>
+                        </a:rPr>
+                        <a:t>student_name</a:t>
+                      </a:r>
+                      <a:r>
+                        <a:rPr lang="en-US" altLang="zh-TW" sz="1400" i="1" spc="-10" dirty="0">
+                          <a:latin typeface="+mn-lt"/>
+                          <a:cs typeface="Calibri"/>
+                        </a:rPr>
+                        <a:t> grade</a:t>
+                      </a:r>
+                      <a:endParaRPr lang="en-US" altLang="zh-TW" sz="1400" dirty="0">
+                        <a:latin typeface="+mn-lt"/>
+                        <a:cs typeface="Calibri"/>
+                      </a:endParaRPr>
+                    </a:p>
+                    <a:p>
+                      <a:pPr marL="91440" marR="149225">
+                        <a:lnSpc>
+                          <a:spcPct val="100000"/>
+                        </a:lnSpc>
+                      </a:pPr>
+                      <a:r>
+                        <a:rPr lang="en-US" altLang="zh-TW" sz="1400" i="1" spc="-20" dirty="0">
+                          <a:latin typeface="+mn-lt"/>
+                          <a:cs typeface="Calibri"/>
+                        </a:rPr>
+                        <a:t>class </a:t>
+                      </a:r>
+                      <a:r>
+                        <a:rPr lang="en-US" altLang="zh-TW" sz="1400" i="1" spc="-10" dirty="0">
+                          <a:latin typeface="+mn-lt"/>
+                          <a:cs typeface="Calibri"/>
+                        </a:rPr>
+                        <a:t>department </a:t>
+                      </a:r>
+                      <a:r>
+                        <a:rPr lang="en-US" altLang="zh-TW" sz="1400" i="1" spc="-10" dirty="0" err="1">
+                          <a:latin typeface="+mn-lt"/>
+                          <a:cs typeface="Calibri"/>
+                        </a:rPr>
+                        <a:t>selected_credit</a:t>
+                      </a:r>
+                      <a:endParaRPr lang="en-US" altLang="zh-TW" sz="1400" dirty="0">
+                        <a:latin typeface="+mn-lt"/>
+                        <a:cs typeface="Calibri"/>
+                      </a:endParaRPr>
+                    </a:p>
+                  </a:txBody>
+                  <a:tcPr marL="0" marR="0" marT="34925" marB="0">
+                    <a:lnL w="12700">
+                      <a:solidFill>
+                        <a:srgbClr val="000000"/>
+                      </a:solidFill>
+                      <a:prstDash val="solid"/>
+                    </a:lnL>
+                    <a:lnR w="12700">
+                      <a:solidFill>
+                        <a:srgbClr val="000000"/>
+                      </a:solidFill>
+                      <a:prstDash val="solid"/>
+                    </a:lnR>
+                    <a:lnT w="12700">
+                      <a:solidFill>
+                        <a:srgbClr val="000000"/>
+                      </a:solidFill>
+                      <a:prstDash val="solid"/>
+                    </a:lnT>
+                    <a:lnB w="12700">
+                      <a:solidFill>
+                        <a:srgbClr val="000000"/>
+                      </a:solidFill>
+                      <a:prstDash val="solid"/>
+                    </a:lnB>
+                  </a:tcPr>
+                </a:tc>
+                <a:extLst>
+                  <a:ext uri="{0D108BD9-81ED-4DB2-BD59-A6C34878D82A}">
+                    <a16:rowId xmlns:a16="http://schemas.microsoft.com/office/drawing/2014/main" val="1931164837"/>
+                  </a:ext>
+                </a:extLst>
+              </a:tr>
+            </a:tbl>
+          </a:graphicData>
+        </a:graphic>
+      </p:graphicFrame>
+      <p:graphicFrame>
+        <p:nvGraphicFramePr>
+          <p:cNvPr id="76" name="表格 75">
+            <a:extLst>
+              <a:ext uri="{FF2B5EF4-FFF2-40B4-BE49-F238E27FC236}">
+                <a16:creationId xmlns:a16="http://schemas.microsoft.com/office/drawing/2014/main" id="{261C5DBB-A52E-DBCC-C9CE-CAC8095114CC}"/>
+              </a:ext>
+            </a:extLst>
+          </p:cNvPr>
+          <p:cNvGraphicFramePr>
+            <a:graphicFrameLocks noGrp="1"/>
+          </p:cNvGraphicFramePr>
+          <p:nvPr>
+            <p:extLst>
+              <p:ext uri="{D42A27DB-BD31-4B8C-83A1-F6EECF244321}">
+                <p14:modId xmlns:p14="http://schemas.microsoft.com/office/powerpoint/2010/main" val="2209657226"/>
+              </p:ext>
+            </p:extLst>
+          </p:nvPr>
+        </p:nvGraphicFramePr>
+        <p:xfrm>
+          <a:off x="7442136" y="710818"/>
+          <a:ext cx="1403986" cy="1499108"/>
+        </p:xfrm>
+        <a:graphic>
+          <a:graphicData uri="http://schemas.openxmlformats.org/drawingml/2006/table">
+            <a:tbl>
+              <a:tblPr firstRow="1" bandRow="1">
+                <a:tableStyleId>{2D5ABB26-0587-4C30-8999-92F81FD0307C}</a:tableStyleId>
+              </a:tblPr>
+              <a:tblGrid>
+                <a:gridCol w="1403986">
+                  <a:extLst>
+                    <a:ext uri="{9D8B030D-6E8A-4147-A177-3AD203B41FA5}">
+                      <a16:colId xmlns:a16="http://schemas.microsoft.com/office/drawing/2014/main" val="414848624"/>
+                    </a:ext>
+                  </a:extLst>
+                </a:gridCol>
+              </a:tblGrid>
+              <a:tr h="281434">
+                <a:tc>
+                  <a:txBody>
+                    <a:bodyPr/>
+                    <a:lstStyle/>
+                    <a:p>
+                      <a:pPr marL="382270">
+                        <a:lnSpc>
+                          <a:spcPct val="100000"/>
+                        </a:lnSpc>
+                        <a:spcBef>
+                          <a:spcPts val="325"/>
+                        </a:spcBef>
+                      </a:pPr>
+                      <a:r>
+                        <a:rPr lang="en-US" sz="1400" spc="-10" dirty="0">
+                          <a:latin typeface="Times New Roman"/>
+                          <a:cs typeface="Times New Roman"/>
+                        </a:rPr>
+                        <a:t>Section</a:t>
+                      </a:r>
+                      <a:endParaRPr sz="1400" dirty="0">
+                        <a:latin typeface="Times New Roman"/>
+                        <a:cs typeface="Times New Roman"/>
+                      </a:endParaRPr>
+                    </a:p>
+                  </a:txBody>
+                  <a:tcPr marL="0" marR="0" marT="41275" marB="0">
+                    <a:lnL w="12700">
+                      <a:solidFill>
+                        <a:srgbClr val="000000"/>
+                      </a:solidFill>
+                      <a:prstDash val="solid"/>
+                    </a:lnL>
+                    <a:lnR w="12700">
+                      <a:solidFill>
+                        <a:srgbClr val="000000"/>
+                      </a:solidFill>
+                      <a:prstDash val="solid"/>
+                    </a:lnR>
+                    <a:lnT w="12700">
+                      <a:solidFill>
+                        <a:srgbClr val="000000"/>
+                      </a:solidFill>
+                      <a:prstDash val="solid"/>
+                    </a:lnT>
+                    <a:lnB w="12700">
+                      <a:solidFill>
+                        <a:srgbClr val="000000"/>
+                      </a:solidFill>
+                      <a:prstDash val="solid"/>
+                    </a:lnB>
+                    <a:solidFill>
+                      <a:srgbClr val="E7E6E6"/>
+                    </a:solidFill>
+                  </a:tcPr>
+                </a:tc>
+                <a:extLst>
+                  <a:ext uri="{0D108BD9-81ED-4DB2-BD59-A6C34878D82A}">
+                    <a16:rowId xmlns:a16="http://schemas.microsoft.com/office/drawing/2014/main" val="4159159275"/>
+                  </a:ext>
+                </a:extLst>
+              </a:tr>
+              <a:tr h="1217674">
+                <a:tc>
+                  <a:txBody>
+                    <a:bodyPr/>
+                    <a:lstStyle/>
+                    <a:p>
+                      <a:pPr marL="63500" marR="24130">
+                        <a:lnSpc>
+                          <a:spcPct val="100000"/>
+                        </a:lnSpc>
+                        <a:spcBef>
+                          <a:spcPts val="270"/>
+                        </a:spcBef>
+                      </a:pPr>
+                      <a:r>
+                        <a:rPr lang="en-US" altLang="zh-TW" sz="1400" i="1" u="sng" spc="-10" dirty="0" err="1">
+                          <a:uFill>
+                            <a:solidFill>
+                              <a:srgbClr val="000000"/>
+                            </a:solidFill>
+                          </a:uFill>
+                          <a:latin typeface="+mn-lt"/>
+                          <a:cs typeface="Calibri"/>
+                        </a:rPr>
+                        <a:t>section_code</a:t>
+                      </a:r>
+                      <a:r>
+                        <a:rPr lang="en-US" altLang="zh-TW" sz="1400" i="1" spc="-10" dirty="0">
+                          <a:latin typeface="+mn-lt"/>
+                          <a:cs typeface="Calibri"/>
+                        </a:rPr>
+                        <a:t> </a:t>
+                      </a:r>
+                      <a:r>
+                        <a:rPr lang="en-US" altLang="zh-TW" sz="1400" i="1" spc="-10" dirty="0" err="1">
+                          <a:latin typeface="+mn-lt"/>
+                          <a:cs typeface="Calibri"/>
+                        </a:rPr>
+                        <a:t>section_name</a:t>
+                      </a:r>
+                      <a:r>
+                        <a:rPr lang="en-US" altLang="zh-TW" sz="1400" i="1" spc="-10" dirty="0">
+                          <a:latin typeface="+mn-lt"/>
+                          <a:cs typeface="Calibri"/>
+                        </a:rPr>
+                        <a:t> </a:t>
+                      </a:r>
+                      <a:r>
+                        <a:rPr lang="en-US" altLang="zh-TW" sz="1400" i="1" spc="-10" dirty="0" err="1">
+                          <a:latin typeface="+mn-lt"/>
+                          <a:cs typeface="Calibri"/>
+                        </a:rPr>
+                        <a:t>offer_class</a:t>
+                      </a:r>
+                      <a:r>
+                        <a:rPr lang="en-US" altLang="zh-TW" sz="1400" i="1" spc="-10" dirty="0">
+                          <a:latin typeface="+mn-lt"/>
+                          <a:cs typeface="Calibri"/>
+                        </a:rPr>
+                        <a:t> </a:t>
+                      </a:r>
+                      <a:r>
+                        <a:rPr lang="en-US" altLang="zh-TW" sz="1400" i="1" spc="-10" dirty="0" err="1">
+                          <a:latin typeface="+mn-lt"/>
+                          <a:cs typeface="Calibri"/>
+                        </a:rPr>
+                        <a:t>max_enrollment</a:t>
+                      </a:r>
+                      <a:r>
+                        <a:rPr lang="en-US" altLang="zh-TW" sz="1400" i="1" spc="-10" dirty="0">
+                          <a:latin typeface="+mn-lt"/>
+                          <a:cs typeface="Calibri"/>
+                        </a:rPr>
+                        <a:t> </a:t>
+                      </a:r>
+                      <a:r>
+                        <a:rPr lang="en-US" altLang="zh-TW" sz="1400" i="1" spc="-10" dirty="0" err="1">
+                          <a:latin typeface="+mn-lt"/>
+                          <a:cs typeface="Calibri"/>
+                        </a:rPr>
+                        <a:t>cur_enrollment</a:t>
+                      </a:r>
+                      <a:endParaRPr lang="en-US" altLang="zh-TW" sz="1400" dirty="0">
+                        <a:latin typeface="+mn-lt"/>
+                        <a:cs typeface="Calibri"/>
+                      </a:endParaRPr>
+                    </a:p>
+                  </a:txBody>
+                  <a:tcPr marL="0" marR="0" marT="34925" marB="0">
+                    <a:lnL w="12700">
+                      <a:solidFill>
+                        <a:srgbClr val="000000"/>
+                      </a:solidFill>
+                      <a:prstDash val="solid"/>
+                    </a:lnL>
+                    <a:lnR w="12700">
+                      <a:solidFill>
+                        <a:srgbClr val="000000"/>
+                      </a:solidFill>
+                      <a:prstDash val="solid"/>
+                    </a:lnR>
+                    <a:lnT w="12700">
+                      <a:solidFill>
+                        <a:srgbClr val="000000"/>
+                      </a:solidFill>
+                      <a:prstDash val="solid"/>
+                    </a:lnT>
+                    <a:lnB w="12700">
+                      <a:solidFill>
+                        <a:srgbClr val="000000"/>
+                      </a:solidFill>
+                      <a:prstDash val="solid"/>
+                    </a:lnB>
+                  </a:tcPr>
+                </a:tc>
+                <a:extLst>
+                  <a:ext uri="{0D108BD9-81ED-4DB2-BD59-A6C34878D82A}">
+                    <a16:rowId xmlns:a16="http://schemas.microsoft.com/office/drawing/2014/main" val="4060974082"/>
+                  </a:ext>
+                </a:extLst>
+              </a:tr>
+            </a:tbl>
+          </a:graphicData>
+        </a:graphic>
+      </p:graphicFrame>
     </p:spTree>
   </p:cSld>
   <p:clrMapOvr>
@@ -4735,7 +4802,7 @@
       </p:grpSpPr>
       <p:graphicFrame>
         <p:nvGraphicFramePr>
-          <p:cNvPr id="2" name="object 2" descr=""/>
+          <p:cNvPr id="2" name="object 2"/>
           <p:cNvGraphicFramePr>
             <a:graphicFrameLocks noGrp="1"/>
           </p:cNvGraphicFramePr>
@@ -4743,7 +4810,7 @@
         </p:nvGraphicFramePr>
         <p:xfrm>
           <a:off x="557682" y="1367155"/>
-          <a:ext cx="1355725" cy="1676400"/>
+          <a:ext cx="1343025" cy="1676400"/>
         </p:xfrm>
         <a:graphic>
           <a:graphicData uri="http://schemas.openxmlformats.org/drawingml/2006/table">
@@ -4752,7 +4819,13 @@
                 <a:tableStyleId>{2D5ABB26-0587-4C30-8999-92F81FD0307C}</a:tableStyleId>
               </a:tblPr>
               <a:tblGrid>
-                <a:gridCol w="1343025"/>
+                <a:gridCol w="1343025">
+                  <a:extLst>
+                    <a:ext uri="{9D8B030D-6E8A-4147-A177-3AD203B41FA5}">
+                      <a16:colId xmlns:a16="http://schemas.microsoft.com/office/drawing/2014/main" val="20000"/>
+                    </a:ext>
+                  </a:extLst>
+                </a:gridCol>
               </a:tblGrid>
               <a:tr h="304800">
                 <a:tc>
@@ -4769,7 +4842,7 @@
                         </a:spcBef>
                       </a:pPr>
                       <a:r>
-                        <a:rPr dirty="0" sz="1400" spc="-10">
+                        <a:rPr sz="1400" spc="-10" dirty="0">
                           <a:latin typeface="Times New Roman"/>
                           <a:cs typeface="Times New Roman"/>
                         </a:rPr>
@@ -4781,7 +4854,7 @@
                       </a:endParaRPr>
                     </a:p>
                   </a:txBody>
-                  <a:tcPr marL="0" marR="0" marB="0" marT="40640">
+                  <a:tcPr marL="0" marR="0" marT="40640" marB="0">
                     <a:lnL w="12700">
                       <a:solidFill>
                         <a:srgbClr val="000000"/>
@@ -4811,6 +4884,11 @@
                     </a:solidFill>
                   </a:tcPr>
                 </a:tc>
+                <a:extLst>
+                  <a:ext uri="{0D108BD9-81ED-4DB2-BD59-A6C34878D82A}">
+                    <a16:rowId xmlns:a16="http://schemas.microsoft.com/office/drawing/2014/main" val="10000"/>
+                  </a:ext>
+                </a:extLst>
               </a:tr>
               <a:tr h="1371600">
                 <a:tc>
@@ -4827,7 +4905,7 @@
                         </a:spcBef>
                       </a:pPr>
                       <a:r>
-                        <a:rPr dirty="0" u="sng" sz="1400" spc="-10" i="1">
+                        <a:rPr sz="1400" i="1" u="sng" spc="-10" dirty="0">
                           <a:uFill>
                             <a:solidFill>
                               <a:srgbClr val="000000"/>
@@ -4839,7 +4917,7 @@
                         <a:t>student_id</a:t>
                       </a:r>
                       <a:r>
-                        <a:rPr dirty="0" sz="1400" spc="-10" i="1">
+                        <a:rPr sz="1400" i="1" spc="-10" dirty="0">
                           <a:latin typeface="Calibri"/>
                           <a:cs typeface="Calibri"/>
                         </a:rPr>
@@ -4857,21 +4935,14 @@
                         </a:lnSpc>
                       </a:pPr>
                       <a:r>
-                        <a:rPr dirty="0" sz="1400" spc="-20" i="1">
+                        <a:rPr sz="1400" i="1" spc="-20" dirty="0">
                           <a:latin typeface="Calibri"/>
                           <a:cs typeface="Calibri"/>
                         </a:rPr>
-                        <a:t>class</a:t>
+                        <a:t>class </a:t>
                       </a:r>
                       <a:r>
-                        <a:rPr dirty="0" sz="1400" spc="-20" i="1">
-                          <a:latin typeface="Calibri"/>
-                          <a:cs typeface="Calibri"/>
-                        </a:rPr>
-                        <a:t> </a:t>
-                      </a:r>
-                      <a:r>
-                        <a:rPr dirty="0" sz="1400" spc="-10" i="1">
+                        <a:rPr sz="1400" i="1" spc="-10" dirty="0">
                           <a:latin typeface="Calibri"/>
                           <a:cs typeface="Calibri"/>
                         </a:rPr>
@@ -4883,7 +4954,7 @@
                       </a:endParaRPr>
                     </a:p>
                   </a:txBody>
-                  <a:tcPr marL="0" marR="0" marB="0" marT="34290">
+                  <a:tcPr marL="0" marR="0" marT="34290" marB="0">
                     <a:lnL w="12700">
                       <a:solidFill>
                         <a:srgbClr val="000000"/>
@@ -4910,6 +4981,11 @@
                     </a:lnB>
                   </a:tcPr>
                 </a:tc>
+                <a:extLst>
+                  <a:ext uri="{0D108BD9-81ED-4DB2-BD59-A6C34878D82A}">
+                    <a16:rowId xmlns:a16="http://schemas.microsoft.com/office/drawing/2014/main" val="10001"/>
+                  </a:ext>
+                </a:extLst>
               </a:tr>
             </a:tbl>
           </a:graphicData>
@@ -4917,7 +4993,7 @@
       </p:graphicFrame>
       <p:graphicFrame>
         <p:nvGraphicFramePr>
-          <p:cNvPr id="3" name="object 3" descr=""/>
+          <p:cNvPr id="3" name="object 3"/>
           <p:cNvGraphicFramePr>
             <a:graphicFrameLocks noGrp="1"/>
           </p:cNvGraphicFramePr>
@@ -4925,7 +5001,7 @@
         </p:nvGraphicFramePr>
         <p:xfrm>
           <a:off x="8293100" y="2840863"/>
-          <a:ext cx="1581785" cy="1036319"/>
+          <a:ext cx="1569085" cy="1036320"/>
         </p:xfrm>
         <a:graphic>
           <a:graphicData uri="http://schemas.openxmlformats.org/drawingml/2006/table">
@@ -4934,7 +5010,13 @@
                 <a:tableStyleId>{2D5ABB26-0587-4C30-8999-92F81FD0307C}</a:tableStyleId>
               </a:tblPr>
               <a:tblGrid>
-                <a:gridCol w="1569085"/>
+                <a:gridCol w="1569085">
+                  <a:extLst>
+                    <a:ext uri="{9D8B030D-6E8A-4147-A177-3AD203B41FA5}">
+                      <a16:colId xmlns:a16="http://schemas.microsoft.com/office/drawing/2014/main" val="20000"/>
+                    </a:ext>
+                  </a:extLst>
+                </a:gridCol>
               </a:tblGrid>
               <a:tr h="304800">
                 <a:tc>
@@ -4951,7 +5033,7 @@
                         </a:spcBef>
                       </a:pPr>
                       <a:r>
-                        <a:rPr dirty="0" sz="1400" spc="-10">
+                        <a:rPr sz="1400" spc="-10" dirty="0">
                           <a:latin typeface="Times New Roman"/>
                           <a:cs typeface="Times New Roman"/>
                         </a:rPr>
@@ -4963,7 +5045,7 @@
                       </a:endParaRPr>
                     </a:p>
                   </a:txBody>
-                  <a:tcPr marL="0" marR="0" marB="0" marT="40640">
+                  <a:tcPr marL="0" marR="0" marT="40640" marB="0">
                     <a:lnL w="12700">
                       <a:solidFill>
                         <a:srgbClr val="000000"/>
@@ -4993,6 +5075,11 @@
                     </a:solidFill>
                   </a:tcPr>
                 </a:tc>
+                <a:extLst>
+                  <a:ext uri="{0D108BD9-81ED-4DB2-BD59-A6C34878D82A}">
+                    <a16:rowId xmlns:a16="http://schemas.microsoft.com/office/drawing/2014/main" val="10000"/>
+                  </a:ext>
+                </a:extLst>
               </a:tr>
               <a:tr h="731520">
                 <a:tc>
@@ -5009,7 +5096,7 @@
                         </a:spcBef>
                       </a:pPr>
                       <a:r>
-                        <a:rPr dirty="0" u="sng" sz="1400" spc="-10" i="1">
+                        <a:rPr sz="1400" i="1" u="sng" spc="-10" dirty="0">
                           <a:uFill>
                             <a:solidFill>
                               <a:srgbClr val="000000"/>
@@ -5021,7 +5108,7 @@
                         <a:t>instructor_id</a:t>
                       </a:r>
                       <a:r>
-                        <a:rPr dirty="0" sz="1400" spc="-10" i="1">
+                        <a:rPr sz="1400" i="1" spc="-10" dirty="0">
                           <a:latin typeface="Calibri"/>
                           <a:cs typeface="Calibri"/>
                         </a:rPr>
@@ -5033,7 +5120,7 @@
                       </a:endParaRPr>
                     </a:p>
                   </a:txBody>
-                  <a:tcPr marL="0" marR="0" marB="0" marT="34925">
+                  <a:tcPr marL="0" marR="0" marT="34925" marB="0">
                     <a:lnL w="12700">
                       <a:solidFill>
                         <a:srgbClr val="000000"/>
@@ -5060,6 +5147,11 @@
                     </a:lnB>
                   </a:tcPr>
                 </a:tc>
+                <a:extLst>
+                  <a:ext uri="{0D108BD9-81ED-4DB2-BD59-A6C34878D82A}">
+                    <a16:rowId xmlns:a16="http://schemas.microsoft.com/office/drawing/2014/main" val="10001"/>
+                  </a:ext>
+                </a:extLst>
               </a:tr>
             </a:tbl>
           </a:graphicData>
@@ -5067,7 +5159,7 @@
       </p:graphicFrame>
       <p:graphicFrame>
         <p:nvGraphicFramePr>
-          <p:cNvPr id="4" name="object 4" descr=""/>
+          <p:cNvPr id="4" name="object 4"/>
           <p:cNvGraphicFramePr>
             <a:graphicFrameLocks noGrp="1"/>
           </p:cNvGraphicFramePr>
@@ -5075,7 +5167,7 @@
         </p:nvGraphicFramePr>
         <p:xfrm>
           <a:off x="6558406" y="1473835"/>
-          <a:ext cx="1284605" cy="1676400"/>
+          <a:ext cx="1271905" cy="1676400"/>
         </p:xfrm>
         <a:graphic>
           <a:graphicData uri="http://schemas.openxmlformats.org/drawingml/2006/table">
@@ -5084,7 +5176,13 @@
                 <a:tableStyleId>{2D5ABB26-0587-4C30-8999-92F81FD0307C}</a:tableStyleId>
               </a:tblPr>
               <a:tblGrid>
-                <a:gridCol w="1271905"/>
+                <a:gridCol w="1271905">
+                  <a:extLst>
+                    <a:ext uri="{9D8B030D-6E8A-4147-A177-3AD203B41FA5}">
+                      <a16:colId xmlns:a16="http://schemas.microsoft.com/office/drawing/2014/main" val="20000"/>
+                    </a:ext>
+                  </a:extLst>
+                </a:gridCol>
               </a:tblGrid>
               <a:tr h="304800">
                 <a:tc>
@@ -5101,7 +5199,7 @@
                         </a:spcBef>
                       </a:pPr>
                       <a:r>
-                        <a:rPr dirty="0" sz="1400" spc="-10">
+                        <a:rPr sz="1400" spc="-10" dirty="0">
                           <a:latin typeface="Times New Roman"/>
                           <a:cs typeface="Times New Roman"/>
                         </a:rPr>
@@ -5113,7 +5211,7 @@
                       </a:endParaRPr>
                     </a:p>
                   </a:txBody>
-                  <a:tcPr marL="0" marR="0" marB="0" marT="40640">
+                  <a:tcPr marL="0" marR="0" marT="40640" marB="0">
                     <a:lnL w="12700">
                       <a:solidFill>
                         <a:srgbClr val="000000"/>
@@ -5143,6 +5241,11 @@
                     </a:solidFill>
                   </a:tcPr>
                 </a:tc>
+                <a:extLst>
+                  <a:ext uri="{0D108BD9-81ED-4DB2-BD59-A6C34878D82A}">
+                    <a16:rowId xmlns:a16="http://schemas.microsoft.com/office/drawing/2014/main" val="10000"/>
+                  </a:ext>
+                </a:extLst>
               </a:tr>
               <a:tr h="1371600">
                 <a:tc>
@@ -5159,7 +5262,7 @@
                         </a:spcBef>
                       </a:pPr>
                       <a:r>
-                        <a:rPr dirty="0" u="sng" sz="1400" spc="-10" i="1">
+                        <a:rPr sz="1400" i="1" u="sng" spc="-10" dirty="0">
                           <a:uFill>
                             <a:solidFill>
                               <a:srgbClr val="000000"/>
@@ -5171,7 +5274,7 @@
                         <a:t>course_id</a:t>
                       </a:r>
                       <a:r>
-                        <a:rPr dirty="0" sz="1400" spc="-10" i="1">
+                        <a:rPr sz="1400" i="1" spc="-10" dirty="0">
                           <a:latin typeface="Calibri"/>
                           <a:cs typeface="Calibri"/>
                         </a:rPr>
@@ -5189,7 +5292,7 @@
                         </a:lnSpc>
                       </a:pPr>
                       <a:r>
-                        <a:rPr dirty="0" sz="1400" spc="-10" i="1">
+                        <a:rPr sz="1400" i="1" spc="-10" dirty="0">
                           <a:latin typeface="Calibri"/>
                           <a:cs typeface="Calibri"/>
                         </a:rPr>
@@ -5210,7 +5313,7 @@
                         </a:spcBef>
                       </a:pPr>
                       <a:r>
-                        <a:rPr dirty="0" sz="1400" spc="-10" i="1">
+                        <a:rPr sz="1400" i="1" spc="-10" dirty="0">
                           <a:latin typeface="Calibri"/>
                           <a:cs typeface="Calibri"/>
                         </a:rPr>
@@ -5222,7 +5325,7 @@
                       </a:endParaRPr>
                     </a:p>
                   </a:txBody>
-                  <a:tcPr marL="0" marR="0" marB="0" marT="34290">
+                  <a:tcPr marL="0" marR="0" marT="34290" marB="0">
                     <a:lnL w="12700">
                       <a:solidFill>
                         <a:srgbClr val="000000"/>
@@ -5249,6 +5352,11 @@
                     </a:lnB>
                   </a:tcPr>
                 </a:tc>
+                <a:extLst>
+                  <a:ext uri="{0D108BD9-81ED-4DB2-BD59-A6C34878D82A}">
+                    <a16:rowId xmlns:a16="http://schemas.microsoft.com/office/drawing/2014/main" val="10001"/>
+                  </a:ext>
+                </a:extLst>
               </a:tr>
             </a:tbl>
           </a:graphicData>
@@ -5256,7 +5364,7 @@
       </p:graphicFrame>
       <p:graphicFrame>
         <p:nvGraphicFramePr>
-          <p:cNvPr id="5" name="object 5" descr=""/>
+          <p:cNvPr id="5" name="object 5"/>
           <p:cNvGraphicFramePr>
             <a:graphicFrameLocks noGrp="1"/>
           </p:cNvGraphicFramePr>
@@ -5264,7 +5372,7 @@
         </p:nvGraphicFramePr>
         <p:xfrm>
           <a:off x="4086225" y="1367155"/>
-          <a:ext cx="1417320" cy="1889760"/>
+          <a:ext cx="1404620" cy="1889760"/>
         </p:xfrm>
         <a:graphic>
           <a:graphicData uri="http://schemas.openxmlformats.org/drawingml/2006/table">
@@ -5273,7 +5381,13 @@
                 <a:tableStyleId>{2D5ABB26-0587-4C30-8999-92F81FD0307C}</a:tableStyleId>
               </a:tblPr>
               <a:tblGrid>
-                <a:gridCol w="1404620"/>
+                <a:gridCol w="1404620">
+                  <a:extLst>
+                    <a:ext uri="{9D8B030D-6E8A-4147-A177-3AD203B41FA5}">
+                      <a16:colId xmlns:a16="http://schemas.microsoft.com/office/drawing/2014/main" val="20000"/>
+                    </a:ext>
+                  </a:extLst>
+                </a:gridCol>
               </a:tblGrid>
               <a:tr h="304800">
                 <a:tc>
@@ -5290,7 +5404,7 @@
                         </a:spcBef>
                       </a:pPr>
                       <a:r>
-                        <a:rPr dirty="0" sz="1400" spc="-10">
+                        <a:rPr sz="1400" spc="-10" dirty="0">
                           <a:latin typeface="Times New Roman"/>
                           <a:cs typeface="Times New Roman"/>
                         </a:rPr>
@@ -5302,7 +5416,7 @@
                       </a:endParaRPr>
                     </a:p>
                   </a:txBody>
-                  <a:tcPr marL="0" marR="0" marB="0" marT="40640">
+                  <a:tcPr marL="0" marR="0" marT="40640" marB="0">
                     <a:lnL w="12700">
                       <a:solidFill>
                         <a:srgbClr val="000000"/>
@@ -5332,6 +5446,11 @@
                     </a:solidFill>
                   </a:tcPr>
                 </a:tc>
+                <a:extLst>
+                  <a:ext uri="{0D108BD9-81ED-4DB2-BD59-A6C34878D82A}">
+                    <a16:rowId xmlns:a16="http://schemas.microsoft.com/office/drawing/2014/main" val="10000"/>
+                  </a:ext>
+                </a:extLst>
               </a:tr>
               <a:tr h="1584960">
                 <a:tc>
@@ -5348,7 +5467,7 @@
                         </a:spcBef>
                       </a:pPr>
                       <a:r>
-                        <a:rPr dirty="0" u="sng" sz="1400" spc="-10" i="1">
+                        <a:rPr sz="1400" i="1" u="sng" spc="-10" dirty="0">
                           <a:uFill>
                             <a:solidFill>
                               <a:srgbClr val="000000"/>
@@ -5360,7 +5479,7 @@
                         <a:t>section_code</a:t>
                       </a:r>
                       <a:r>
-                        <a:rPr dirty="0" sz="1400" spc="-10" i="1">
+                        <a:rPr sz="1400" i="1" spc="-10" dirty="0">
                           <a:latin typeface="Calibri"/>
                           <a:cs typeface="Calibri"/>
                         </a:rPr>
@@ -5372,7 +5491,7 @@
                       </a:endParaRPr>
                     </a:p>
                   </a:txBody>
-                  <a:tcPr marL="0" marR="0" marB="0" marT="34290">
+                  <a:tcPr marL="0" marR="0" marT="34290" marB="0">
                     <a:lnL w="12700">
                       <a:solidFill>
                         <a:srgbClr val="000000"/>
@@ -5399,6 +5518,11 @@
                     </a:lnB>
                   </a:tcPr>
                 </a:tc>
+                <a:extLst>
+                  <a:ext uri="{0D108BD9-81ED-4DB2-BD59-A6C34878D82A}">
+                    <a16:rowId xmlns:a16="http://schemas.microsoft.com/office/drawing/2014/main" val="10001"/>
+                  </a:ext>
+                </a:extLst>
               </a:tr>
             </a:tbl>
           </a:graphicData>
@@ -5406,7 +5530,7 @@
       </p:graphicFrame>
       <p:sp>
         <p:nvSpPr>
-          <p:cNvPr id="6" name="object 6" descr=""/>
+          <p:cNvPr id="6" name="object 6"/>
           <p:cNvSpPr/>
           <p:nvPr/>
         </p:nvSpPr>
@@ -5584,12 +5708,14 @@
         <p:txBody>
           <a:bodyPr wrap="square" lIns="0" tIns="0" rIns="0" bIns="0" rtlCol="0"/>
           <a:lstStyle/>
-          <a:p/>
+          <a:p>
+            <a:endParaRPr/>
+          </a:p>
         </p:txBody>
       </p:sp>
       <p:sp>
         <p:nvSpPr>
-          <p:cNvPr id="7" name="object 7" descr=""/>
+          <p:cNvPr id="7" name="object 7"/>
           <p:cNvSpPr/>
           <p:nvPr/>
         </p:nvSpPr>
@@ -5767,12 +5893,14 @@
         <p:txBody>
           <a:bodyPr wrap="square" lIns="0" tIns="0" rIns="0" bIns="0" rtlCol="0"/>
           <a:lstStyle/>
-          <a:p/>
+          <a:p>
+            <a:endParaRPr/>
+          </a:p>
         </p:txBody>
       </p:sp>
       <p:graphicFrame>
         <p:nvGraphicFramePr>
-          <p:cNvPr id="8" name="object 8" descr=""/>
+          <p:cNvPr id="8" name="object 8"/>
           <p:cNvGraphicFramePr>
             <a:graphicFrameLocks noGrp="1"/>
           </p:cNvGraphicFramePr>
@@ -5780,7 +5908,7 @@
         </p:nvGraphicFramePr>
         <p:xfrm>
           <a:off x="2347086" y="1382394"/>
-          <a:ext cx="1355725" cy="822325"/>
+          <a:ext cx="1343025" cy="822325"/>
         </p:xfrm>
         <a:graphic>
           <a:graphicData uri="http://schemas.openxmlformats.org/drawingml/2006/table">
@@ -5789,7 +5917,13 @@
                 <a:tableStyleId>{2D5ABB26-0587-4C30-8999-92F81FD0307C}</a:tableStyleId>
               </a:tblPr>
               <a:tblGrid>
-                <a:gridCol w="1343025"/>
+                <a:gridCol w="1343025">
+                  <a:extLst>
+                    <a:ext uri="{9D8B030D-6E8A-4147-A177-3AD203B41FA5}">
+                      <a16:colId xmlns:a16="http://schemas.microsoft.com/office/drawing/2014/main" val="20000"/>
+                    </a:ext>
+                  </a:extLst>
+                </a:gridCol>
               </a:tblGrid>
               <a:tr h="304800">
                 <a:tc>
@@ -5806,7 +5940,7 @@
                         </a:spcBef>
                       </a:pPr>
                       <a:r>
-                        <a:rPr dirty="0" sz="1400" spc="-10">
+                        <a:rPr sz="1400" spc="-10" dirty="0">
                           <a:latin typeface="Times New Roman"/>
                           <a:cs typeface="Times New Roman"/>
                         </a:rPr>
@@ -5818,7 +5952,7 @@
                       </a:endParaRPr>
                     </a:p>
                   </a:txBody>
-                  <a:tcPr marL="0" marR="0" marB="0" marT="40640">
+                  <a:tcPr marL="0" marR="0" marT="40640" marB="0">
                     <a:lnL w="12700">
                       <a:solidFill>
                         <a:srgbClr val="000000"/>
@@ -5848,6 +5982,11 @@
                     </a:solidFill>
                   </a:tcPr>
                 </a:tc>
+                <a:extLst>
+                  <a:ext uri="{0D108BD9-81ED-4DB2-BD59-A6C34878D82A}">
+                    <a16:rowId xmlns:a16="http://schemas.microsoft.com/office/drawing/2014/main" val="10000"/>
+                  </a:ext>
+                </a:extLst>
               </a:tr>
               <a:tr h="517525">
                 <a:tc>
@@ -5864,7 +6003,7 @@
                         </a:spcBef>
                       </a:pPr>
                       <a:r>
-                        <a:rPr dirty="0" u="sng" sz="1400" spc="-10" i="1">
+                        <a:rPr sz="1400" i="1" u="sng" spc="-10" dirty="0">
                           <a:uFill>
                             <a:solidFill>
                               <a:srgbClr val="000000"/>
@@ -5876,14 +6015,14 @@
                         <a:t>student_id</a:t>
                       </a:r>
                       <a:r>
-                        <a:rPr dirty="0" sz="1400" spc="-10" i="1">
+                        <a:rPr sz="1400" i="1" spc="-10" dirty="0">
                           <a:latin typeface="Calibri"/>
                           <a:cs typeface="Calibri"/>
                         </a:rPr>
                         <a:t> </a:t>
                       </a:r>
                       <a:r>
-                        <a:rPr dirty="0" u="sng" sz="1400" spc="-10" i="1">
+                        <a:rPr sz="1400" i="1" u="sng" spc="-10" dirty="0">
                           <a:uFill>
                             <a:solidFill>
                               <a:srgbClr val="000000"/>
@@ -5900,7 +6039,7 @@
                       </a:endParaRPr>
                     </a:p>
                   </a:txBody>
-                  <a:tcPr marL="0" marR="0" marB="0" marT="34290">
+                  <a:tcPr marL="0" marR="0" marT="34290" marB="0">
                     <a:lnL w="12700">
                       <a:solidFill>
                         <a:srgbClr val="000000"/>
@@ -5927,6 +6066,11 @@
                     </a:lnB>
                   </a:tcPr>
                 </a:tc>
+                <a:extLst>
+                  <a:ext uri="{0D108BD9-81ED-4DB2-BD59-A6C34878D82A}">
+                    <a16:rowId xmlns:a16="http://schemas.microsoft.com/office/drawing/2014/main" val="10001"/>
+                  </a:ext>
+                </a:extLst>
               </a:tr>
             </a:tbl>
           </a:graphicData>
@@ -5934,7 +6078,7 @@
       </p:graphicFrame>
       <p:sp>
         <p:nvSpPr>
-          <p:cNvPr id="9" name="object 9" descr=""/>
+          <p:cNvPr id="9" name="object 9"/>
           <p:cNvSpPr/>
           <p:nvPr/>
         </p:nvSpPr>
@@ -6022,12 +6166,14 @@
         <p:txBody>
           <a:bodyPr wrap="square" lIns="0" tIns="0" rIns="0" bIns="0" rtlCol="0"/>
           <a:lstStyle/>
-          <a:p/>
+          <a:p>
+            <a:endParaRPr/>
+          </a:p>
         </p:txBody>
       </p:sp>
       <p:sp>
         <p:nvSpPr>
-          <p:cNvPr id="10" name="object 10" descr=""/>
+          <p:cNvPr id="10" name="object 10"/>
           <p:cNvSpPr/>
           <p:nvPr/>
         </p:nvSpPr>
@@ -6205,12 +6351,14 @@
         <p:txBody>
           <a:bodyPr wrap="square" lIns="0" tIns="0" rIns="0" bIns="0" rtlCol="0"/>
           <a:lstStyle/>
-          <a:p/>
+          <a:p>
+            <a:endParaRPr/>
+          </a:p>
         </p:txBody>
       </p:sp>
       <p:graphicFrame>
         <p:nvGraphicFramePr>
-          <p:cNvPr id="11" name="object 11" descr=""/>
+          <p:cNvPr id="11" name="object 11"/>
           <p:cNvGraphicFramePr>
             <a:graphicFrameLocks noGrp="1"/>
           </p:cNvGraphicFramePr>
@@ -6218,7 +6366,7 @@
         </p:nvGraphicFramePr>
         <p:xfrm>
           <a:off x="4086225" y="3773170"/>
-          <a:ext cx="1355725" cy="822960"/>
+          <a:ext cx="1343025" cy="822959"/>
         </p:xfrm>
         <a:graphic>
           <a:graphicData uri="http://schemas.openxmlformats.org/drawingml/2006/table">
@@ -6227,7 +6375,13 @@
                 <a:tableStyleId>{2D5ABB26-0587-4C30-8999-92F81FD0307C}</a:tableStyleId>
               </a:tblPr>
               <a:tblGrid>
-                <a:gridCol w="1343025"/>
+                <a:gridCol w="1343025">
+                  <a:extLst>
+                    <a:ext uri="{9D8B030D-6E8A-4147-A177-3AD203B41FA5}">
+                      <a16:colId xmlns:a16="http://schemas.microsoft.com/office/drawing/2014/main" val="20000"/>
+                    </a:ext>
+                  </a:extLst>
+                </a:gridCol>
               </a:tblGrid>
               <a:tr h="304800">
                 <a:tc>
@@ -6244,7 +6398,7 @@
                         </a:spcBef>
                       </a:pPr>
                       <a:r>
-                        <a:rPr dirty="0" sz="1400" spc="-10">
+                        <a:rPr sz="1400" spc="-10" dirty="0">
                           <a:latin typeface="Times New Roman"/>
                           <a:cs typeface="Times New Roman"/>
                         </a:rPr>
@@ -6256,7 +6410,7 @@
                       </a:endParaRPr>
                     </a:p>
                   </a:txBody>
-                  <a:tcPr marL="0" marR="0" marB="0" marT="40640">
+                  <a:tcPr marL="0" marR="0" marT="40640" marB="0">
                     <a:lnL w="12700">
                       <a:solidFill>
                         <a:srgbClr val="000000"/>
@@ -6286,6 +6440,11 @@
                     </a:solidFill>
                   </a:tcPr>
                 </a:tc>
+                <a:extLst>
+                  <a:ext uri="{0D108BD9-81ED-4DB2-BD59-A6C34878D82A}">
+                    <a16:rowId xmlns:a16="http://schemas.microsoft.com/office/drawing/2014/main" val="10000"/>
+                  </a:ext>
+                </a:extLst>
               </a:tr>
               <a:tr h="518159">
                 <a:tc>
@@ -6302,7 +6461,7 @@
                         </a:spcBef>
                       </a:pPr>
                       <a:r>
-                        <a:rPr dirty="0" u="sng" sz="1400" spc="-10" i="1">
+                        <a:rPr sz="1400" i="1" u="sng" spc="-10" dirty="0">
                           <a:uFill>
                             <a:solidFill>
                               <a:srgbClr val="000000"/>
@@ -6325,7 +6484,7 @@
                         </a:lnSpc>
                       </a:pPr>
                       <a:r>
-                        <a:rPr dirty="0" sz="1400" spc="-10" i="1">
+                        <a:rPr sz="1400" i="1" spc="-10" dirty="0">
                           <a:latin typeface="Calibri"/>
                           <a:cs typeface="Calibri"/>
                         </a:rPr>
@@ -6337,7 +6496,7 @@
                       </a:endParaRPr>
                     </a:p>
                   </a:txBody>
-                  <a:tcPr marL="0" marR="0" marB="0" marT="34925">
+                  <a:tcPr marL="0" marR="0" marT="34925" marB="0">
                     <a:lnL w="12700">
                       <a:solidFill>
                         <a:srgbClr val="000000"/>
@@ -6364,6 +6523,11 @@
                     </a:lnB>
                   </a:tcPr>
                 </a:tc>
+                <a:extLst>
+                  <a:ext uri="{0D108BD9-81ED-4DB2-BD59-A6C34878D82A}">
+                    <a16:rowId xmlns:a16="http://schemas.microsoft.com/office/drawing/2014/main" val="10001"/>
+                  </a:ext>
+                </a:extLst>
               </a:tr>
             </a:tbl>
           </a:graphicData>
@@ -6371,7 +6535,7 @@
       </p:graphicFrame>
       <p:sp>
         <p:nvSpPr>
-          <p:cNvPr id="12" name="object 12" descr=""/>
+          <p:cNvPr id="12" name="object 12"/>
           <p:cNvSpPr/>
           <p:nvPr/>
         </p:nvSpPr>
@@ -6549,12 +6713,14 @@
         <p:txBody>
           <a:bodyPr wrap="square" lIns="0" tIns="0" rIns="0" bIns="0" rtlCol="0"/>
           <a:lstStyle/>
-          <a:p/>
+          <a:p>
+            <a:endParaRPr/>
+          </a:p>
         </p:txBody>
       </p:sp>
       <p:sp>
         <p:nvSpPr>
-          <p:cNvPr id="13" name="object 13" descr=""/>
+          <p:cNvPr id="13" name="object 13"/>
           <p:cNvSpPr/>
           <p:nvPr/>
         </p:nvSpPr>
@@ -6732,12 +6898,14 @@
         <p:txBody>
           <a:bodyPr wrap="square" lIns="0" tIns="0" rIns="0" bIns="0" rtlCol="0"/>
           <a:lstStyle/>
-          <a:p/>
+          <a:p>
+            <a:endParaRPr/>
+          </a:p>
         </p:txBody>
       </p:sp>
       <p:graphicFrame>
         <p:nvGraphicFramePr>
-          <p:cNvPr id="14" name="object 14" descr=""/>
+          <p:cNvPr id="14" name="object 14"/>
           <p:cNvGraphicFramePr>
             <a:graphicFrameLocks noGrp="1"/>
           </p:cNvGraphicFramePr>
@@ -6745,7 +6913,7 @@
         </p:nvGraphicFramePr>
         <p:xfrm>
           <a:off x="8457565" y="739266"/>
-          <a:ext cx="1355725" cy="822960"/>
+          <a:ext cx="1343025" cy="822959"/>
         </p:xfrm>
         <a:graphic>
           <a:graphicData uri="http://schemas.openxmlformats.org/drawingml/2006/table">
@@ -6754,7 +6922,13 @@
                 <a:tableStyleId>{2D5ABB26-0587-4C30-8999-92F81FD0307C}</a:tableStyleId>
               </a:tblPr>
               <a:tblGrid>
-                <a:gridCol w="1343025"/>
+                <a:gridCol w="1343025">
+                  <a:extLst>
+                    <a:ext uri="{9D8B030D-6E8A-4147-A177-3AD203B41FA5}">
+                      <a16:colId xmlns:a16="http://schemas.microsoft.com/office/drawing/2014/main" val="20000"/>
+                    </a:ext>
+                  </a:extLst>
+                </a:gridCol>
               </a:tblGrid>
               <a:tr h="304800">
                 <a:tc>
@@ -6771,7 +6945,7 @@
                         </a:spcBef>
                       </a:pPr>
                       <a:r>
-                        <a:rPr dirty="0" sz="1400" spc="-10">
+                        <a:rPr sz="1400" spc="-10" dirty="0">
                           <a:latin typeface="Times New Roman"/>
                           <a:cs typeface="Times New Roman"/>
                         </a:rPr>
@@ -6783,7 +6957,7 @@
                       </a:endParaRPr>
                     </a:p>
                   </a:txBody>
-                  <a:tcPr marL="0" marR="0" marB="0" marT="40005">
+                  <a:tcPr marL="0" marR="0" marT="40005" marB="0">
                     <a:lnL w="12700">
                       <a:solidFill>
                         <a:srgbClr val="000000"/>
@@ -6813,6 +6987,11 @@
                     </a:solidFill>
                   </a:tcPr>
                 </a:tc>
+                <a:extLst>
+                  <a:ext uri="{0D108BD9-81ED-4DB2-BD59-A6C34878D82A}">
+                    <a16:rowId xmlns:a16="http://schemas.microsoft.com/office/drawing/2014/main" val="10000"/>
+                  </a:ext>
+                </a:extLst>
               </a:tr>
               <a:tr h="518159">
                 <a:tc>
@@ -6829,7 +7008,7 @@
                         </a:spcBef>
                       </a:pPr>
                       <a:r>
-                        <a:rPr dirty="0" u="sng" sz="1400" spc="-10" i="1">
+                        <a:rPr sz="1400" i="1" u="sng" spc="-10" dirty="0">
                           <a:uFill>
                             <a:solidFill>
                               <a:srgbClr val="000000"/>
@@ -6841,14 +7020,14 @@
                         <a:t>instructor_id</a:t>
                       </a:r>
                       <a:r>
-                        <a:rPr dirty="0" sz="1400" spc="-10" i="1">
+                        <a:rPr sz="1400" i="1" spc="-10" dirty="0">
                           <a:latin typeface="Calibri"/>
                           <a:cs typeface="Calibri"/>
                         </a:rPr>
                         <a:t> </a:t>
                       </a:r>
                       <a:r>
-                        <a:rPr dirty="0" u="sng" sz="1400" spc="-10" i="1">
+                        <a:rPr sz="1400" i="1" u="sng" spc="-10" dirty="0">
                           <a:uFill>
                             <a:solidFill>
                               <a:srgbClr val="000000"/>
@@ -6865,7 +7044,7 @@
                       </a:endParaRPr>
                     </a:p>
                   </a:txBody>
-                  <a:tcPr marL="0" marR="0" marB="0" marT="34290">
+                  <a:tcPr marL="0" marR="0" marT="34290" marB="0">
                     <a:lnL w="12700">
                       <a:solidFill>
                         <a:srgbClr val="000000"/>
@@ -6892,6 +7071,11 @@
                     </a:lnB>
                   </a:tcPr>
                 </a:tc>
+                <a:extLst>
+                  <a:ext uri="{0D108BD9-81ED-4DB2-BD59-A6C34878D82A}">
+                    <a16:rowId xmlns:a16="http://schemas.microsoft.com/office/drawing/2014/main" val="10001"/>
+                  </a:ext>
+                </a:extLst>
               </a:tr>
             </a:tbl>
           </a:graphicData>
@@ -6899,7 +7083,7 @@
       </p:graphicFrame>
       <p:sp>
         <p:nvSpPr>
-          <p:cNvPr id="15" name="object 15" descr=""/>
+          <p:cNvPr id="15" name="object 15"/>
           <p:cNvSpPr/>
           <p:nvPr/>
         </p:nvSpPr>
@@ -7077,12 +7261,14 @@
         <p:txBody>
           <a:bodyPr wrap="square" lIns="0" tIns="0" rIns="0" bIns="0" rtlCol="0"/>
           <a:lstStyle/>
-          <a:p/>
+          <a:p>
+            <a:endParaRPr/>
+          </a:p>
         </p:txBody>
       </p:sp>
       <p:graphicFrame>
         <p:nvGraphicFramePr>
-          <p:cNvPr id="16" name="object 16" descr=""/>
+          <p:cNvPr id="16" name="object 16"/>
           <p:cNvGraphicFramePr>
             <a:graphicFrameLocks noGrp="1"/>
           </p:cNvGraphicFramePr>
@@ -7090,7 +7276,7 @@
         </p:nvGraphicFramePr>
         <p:xfrm>
           <a:off x="10510646" y="132714"/>
-          <a:ext cx="1417320" cy="1249045"/>
+          <a:ext cx="1404620" cy="1249045"/>
         </p:xfrm>
         <a:graphic>
           <a:graphicData uri="http://schemas.openxmlformats.org/drawingml/2006/table">
@@ -7099,7 +7285,13 @@
                 <a:tableStyleId>{2D5ABB26-0587-4C30-8999-92F81FD0307C}</a:tableStyleId>
               </a:tblPr>
               <a:tblGrid>
-                <a:gridCol w="1404620"/>
+                <a:gridCol w="1404620">
+                  <a:extLst>
+                    <a:ext uri="{9D8B030D-6E8A-4147-A177-3AD203B41FA5}">
+                      <a16:colId xmlns:a16="http://schemas.microsoft.com/office/drawing/2014/main" val="20000"/>
+                    </a:ext>
+                  </a:extLst>
+                </a:gridCol>
               </a:tblGrid>
               <a:tr h="304165">
                 <a:tc>
@@ -7116,7 +7308,7 @@
                         </a:spcBef>
                       </a:pPr>
                       <a:r>
-                        <a:rPr dirty="0" sz="1400" spc="-10">
+                        <a:rPr sz="1400" spc="-10" dirty="0">
                           <a:latin typeface="Times New Roman"/>
                           <a:cs typeface="Times New Roman"/>
                         </a:rPr>
@@ -7128,7 +7320,7 @@
                       </a:endParaRPr>
                     </a:p>
                   </a:txBody>
-                  <a:tcPr marL="0" marR="0" marB="0" marT="40005">
+                  <a:tcPr marL="0" marR="0" marT="40005" marB="0">
                     <a:lnL w="12700">
                       <a:solidFill>
                         <a:srgbClr val="000000"/>
@@ -7158,6 +7350,11 @@
                     </a:solidFill>
                   </a:tcPr>
                 </a:tc>
+                <a:extLst>
+                  <a:ext uri="{0D108BD9-81ED-4DB2-BD59-A6C34878D82A}">
+                    <a16:rowId xmlns:a16="http://schemas.microsoft.com/office/drawing/2014/main" val="10000"/>
+                  </a:ext>
+                </a:extLst>
               </a:tr>
               <a:tr h="944880">
                 <a:tc>
@@ -7174,7 +7371,7 @@
                         </a:spcBef>
                       </a:pPr>
                       <a:r>
-                        <a:rPr dirty="0" u="sng" sz="1400" spc="-10" i="1">
+                        <a:rPr sz="1400" i="1" u="sng" spc="-10" dirty="0">
                           <a:uFill>
                             <a:solidFill>
                               <a:srgbClr val="000000"/>
@@ -7186,14 +7383,14 @@
                         <a:t>section_code</a:t>
                       </a:r>
                       <a:r>
-                        <a:rPr dirty="0" sz="1400" spc="-10" i="1">
+                        <a:rPr sz="1400" i="1" spc="-10" dirty="0">
                           <a:latin typeface="Calibri"/>
                           <a:cs typeface="Calibri"/>
                         </a:rPr>
                         <a:t> </a:t>
                       </a:r>
                       <a:r>
-                        <a:rPr dirty="0" u="sng" sz="1400" spc="-10" i="1">
+                        <a:rPr sz="1400" i="1" u="sng" spc="-10" dirty="0">
                           <a:uFill>
                             <a:solidFill>
                               <a:srgbClr val="000000"/>
@@ -7205,14 +7402,14 @@
                         <a:t>week_time</a:t>
                       </a:r>
                       <a:r>
-                        <a:rPr dirty="0" sz="1400" spc="-10" i="1">
+                        <a:rPr sz="1400" i="1" spc="-10" dirty="0">
                           <a:latin typeface="Calibri"/>
                           <a:cs typeface="Calibri"/>
                         </a:rPr>
                         <a:t> </a:t>
                       </a:r>
                       <a:r>
-                        <a:rPr dirty="0" u="sng" sz="1400" spc="-10" i="1">
+                        <a:rPr sz="1400" i="1" u="sng" spc="-10" dirty="0">
                           <a:uFill>
                             <a:solidFill>
                               <a:srgbClr val="000000"/>
@@ -7224,14 +7421,14 @@
                         <a:t>starting_time</a:t>
                       </a:r>
                       <a:r>
-                        <a:rPr dirty="0" sz="1400" spc="-10" i="1">
+                        <a:rPr sz="1400" i="1" spc="-10" dirty="0">
                           <a:latin typeface="Calibri"/>
                           <a:cs typeface="Calibri"/>
                         </a:rPr>
                         <a:t> </a:t>
                       </a:r>
                       <a:r>
-                        <a:rPr dirty="0" u="sng" sz="1400" spc="-10" i="1">
+                        <a:rPr sz="1400" i="1" u="sng" spc="-10" dirty="0">
                           <a:uFill>
                             <a:solidFill>
                               <a:srgbClr val="000000"/>
@@ -7248,7 +7445,7 @@
                       </a:endParaRPr>
                     </a:p>
                   </a:txBody>
-                  <a:tcPr marL="0" marR="0" marB="0" marT="34290">
+                  <a:tcPr marL="0" marR="0" marT="34290" marB="0">
                     <a:lnL w="12700">
                       <a:solidFill>
                         <a:srgbClr val="000000"/>
@@ -7275,6 +7472,11 @@
                     </a:lnB>
                   </a:tcPr>
                 </a:tc>
+                <a:extLst>
+                  <a:ext uri="{0D108BD9-81ED-4DB2-BD59-A6C34878D82A}">
+                    <a16:rowId xmlns:a16="http://schemas.microsoft.com/office/drawing/2014/main" val="10001"/>
+                  </a:ext>
+                </a:extLst>
               </a:tr>
             </a:tbl>
           </a:graphicData>
@@ -7282,7 +7484,7 @@
       </p:graphicFrame>
       <p:sp>
         <p:nvSpPr>
-          <p:cNvPr id="17" name="object 17" descr=""/>
+          <p:cNvPr id="17" name="object 17"/>
           <p:cNvSpPr/>
           <p:nvPr/>
         </p:nvSpPr>
@@ -7403,7 +7605,9 @@
         <p:txBody>
           <a:bodyPr wrap="square" lIns="0" tIns="0" rIns="0" bIns="0" rtlCol="0"/>
           <a:lstStyle/>
-          <a:p/>
+          <a:p>
+            <a:endParaRPr/>
+          </a:p>
         </p:txBody>
       </p:sp>
     </p:spTree>

--- a/DB_Schema.pptx
+++ b/DB_Schema.pptx
@@ -173,7 +173,7 @@
           <a:p>
             <a:fld id="{1D8BD707-D9CF-40AE-B4C6-C98DA3205C09}" type="datetimeFigureOut">
               <a:rPr lang="en-US"/>
-              <a:t>4/29/2023</a:t>
+              <a:t>5/8/2023</a:t>
             </a:fld>
             <a:endParaRPr lang="en-US"/>
           </a:p>
@@ -338,7 +338,7 @@
           <a:p>
             <a:fld id="{1D8BD707-D9CF-40AE-B4C6-C98DA3205C09}" type="datetimeFigureOut">
               <a:rPr lang="en-US"/>
-              <a:t>4/29/2023</a:t>
+              <a:t>5/8/2023</a:t>
             </a:fld>
             <a:endParaRPr lang="en-US"/>
           </a:p>
@@ -546,7 +546,7 @@
           <a:p>
             <a:fld id="{1D8BD707-D9CF-40AE-B4C6-C98DA3205C09}" type="datetimeFigureOut">
               <a:rPr lang="en-US"/>
-              <a:t>4/29/2023</a:t>
+              <a:t>5/8/2023</a:t>
             </a:fld>
             <a:endParaRPr lang="en-US"/>
           </a:p>
@@ -688,7 +688,7 @@
           <a:p>
             <a:fld id="{1D8BD707-D9CF-40AE-B4C6-C98DA3205C09}" type="datetimeFigureOut">
               <a:rPr lang="en-US"/>
-              <a:t>4/29/2023</a:t>
+              <a:t>5/8/2023</a:t>
             </a:fld>
             <a:endParaRPr lang="en-US"/>
           </a:p>
@@ -807,7 +807,7 @@
           <a:p>
             <a:fld id="{1D8BD707-D9CF-40AE-B4C6-C98DA3205C09}" type="datetimeFigureOut">
               <a:rPr lang="en-US"/>
-              <a:t>4/29/2023</a:t>
+              <a:t>5/8/2023</a:t>
             </a:fld>
             <a:endParaRPr lang="en-US"/>
           </a:p>
@@ -1020,7 +1020,7 @@
           <a:p>
             <a:fld id="{1D8BD707-D9CF-40AE-B4C6-C98DA3205C09}" type="datetimeFigureOut">
               <a:rPr lang="en-US"/>
-              <a:t>4/29/2023</a:t>
+              <a:t>5/8/2023</a:t>
             </a:fld>
             <a:endParaRPr lang="en-US"/>
           </a:p>
@@ -1239,6 +1239,122 @@
           <a:chExt cx="0" cy="0"/>
         </a:xfrm>
       </p:grpSpPr>
+      <p:sp>
+        <p:nvSpPr>
+          <p:cNvPr id="18" name="object 10">
+            <a:extLst>
+              <a:ext uri="{FF2B5EF4-FFF2-40B4-BE49-F238E27FC236}">
+                <a16:creationId xmlns:a16="http://schemas.microsoft.com/office/drawing/2014/main" id="{2F115C3F-9C8E-0DC3-3DE4-1559B3F6ABA2}"/>
+              </a:ext>
+            </a:extLst>
+          </p:cNvPr>
+          <p:cNvSpPr/>
+          <p:nvPr/>
+        </p:nvSpPr>
+        <p:spPr>
+          <a:xfrm>
+            <a:off x="5260136" y="3139315"/>
+            <a:ext cx="875030" cy="594360"/>
+          </a:xfrm>
+          <a:custGeom>
+            <a:avLst/>
+            <a:gdLst/>
+            <a:ahLst/>
+            <a:cxnLst/>
+            <a:rect l="l" t="t" r="r" b="b"/>
+            <a:pathLst>
+              <a:path w="875030" h="594360">
+                <a:moveTo>
+                  <a:pt x="41782" y="519938"/>
+                </a:moveTo>
+                <a:lnTo>
+                  <a:pt x="0" y="594232"/>
+                </a:lnTo>
+                <a:lnTo>
+                  <a:pt x="84454" y="583056"/>
+                </a:lnTo>
+                <a:lnTo>
+                  <a:pt x="71490" y="563879"/>
+                </a:lnTo>
+                <a:lnTo>
+                  <a:pt x="56134" y="563879"/>
+                </a:lnTo>
+                <a:lnTo>
+                  <a:pt x="49021" y="553338"/>
+                </a:lnTo>
+                <a:lnTo>
+                  <a:pt x="59551" y="546219"/>
+                </a:lnTo>
+                <a:lnTo>
+                  <a:pt x="41782" y="519938"/>
+                </a:lnTo>
+                <a:close/>
+              </a:path>
+              <a:path w="875030" h="594360">
+                <a:moveTo>
+                  <a:pt x="59551" y="546219"/>
+                </a:moveTo>
+                <a:lnTo>
+                  <a:pt x="49021" y="553338"/>
+                </a:lnTo>
+                <a:lnTo>
+                  <a:pt x="56134" y="563879"/>
+                </a:lnTo>
+                <a:lnTo>
+                  <a:pt x="66672" y="556753"/>
+                </a:lnTo>
+                <a:lnTo>
+                  <a:pt x="59551" y="546219"/>
+                </a:lnTo>
+                <a:close/>
+              </a:path>
+              <a:path w="875030" h="594360">
+                <a:moveTo>
+                  <a:pt x="66672" y="556753"/>
+                </a:moveTo>
+                <a:lnTo>
+                  <a:pt x="56134" y="563879"/>
+                </a:lnTo>
+                <a:lnTo>
+                  <a:pt x="71490" y="563879"/>
+                </a:lnTo>
+                <a:lnTo>
+                  <a:pt x="66672" y="556753"/>
+                </a:lnTo>
+                <a:close/>
+              </a:path>
+              <a:path w="875030" h="594360">
+                <a:moveTo>
+                  <a:pt x="867410" y="0"/>
+                </a:moveTo>
+                <a:lnTo>
+                  <a:pt x="59551" y="546219"/>
+                </a:lnTo>
+                <a:lnTo>
+                  <a:pt x="66672" y="556753"/>
+                </a:lnTo>
+                <a:lnTo>
+                  <a:pt x="874522" y="10413"/>
+                </a:lnTo>
+                <a:lnTo>
+                  <a:pt x="867410" y="0"/>
+                </a:lnTo>
+                <a:close/>
+              </a:path>
+            </a:pathLst>
+          </a:custGeom>
+          <a:solidFill>
+            <a:srgbClr val="000000"/>
+          </a:solidFill>
+        </p:spPr>
+        <p:txBody>
+          <a:bodyPr wrap="square" lIns="0" tIns="0" rIns="0" bIns="0" rtlCol="0"/>
+          <a:lstStyle/>
+          <a:p>
+            <a:endParaRPr/>
+          </a:p>
+        </p:txBody>
+      </p:sp>
       <p:cxnSp>
         <p:nvCxnSpPr>
           <p:cNvPr id="70" name="直線接點 69">
@@ -1421,48 +1537,6 @@
                 </a:moveTo>
                 <a:lnTo>
                   <a:pt x="4572" y="920623"/>
-                </a:lnTo>
-              </a:path>
-            </a:pathLst>
-          </a:custGeom>
-          <a:ln w="12700">
-            <a:solidFill>
-              <a:srgbClr val="000000"/>
-            </a:solidFill>
-          </a:ln>
-        </p:spPr>
-        <p:txBody>
-          <a:bodyPr wrap="square" lIns="0" tIns="0" rIns="0" bIns="0" rtlCol="0"/>
-          <a:lstStyle/>
-          <a:p>
-            <a:endParaRPr/>
-          </a:p>
-        </p:txBody>
-      </p:sp>
-      <p:sp>
-        <p:nvSpPr>
-          <p:cNvPr id="4" name="object 4"/>
-          <p:cNvSpPr/>
-          <p:nvPr/>
-        </p:nvSpPr>
-        <p:spPr>
-          <a:xfrm>
-            <a:off x="5209032" y="3194304"/>
-            <a:ext cx="747395" cy="580390"/>
-          </a:xfrm>
-          <a:custGeom>
-            <a:avLst/>
-            <a:gdLst/>
-            <a:ahLst/>
-            <a:cxnLst/>
-            <a:rect l="l" t="t" r="r" b="b"/>
-            <a:pathLst>
-              <a:path w="747395" h="580389">
-                <a:moveTo>
-                  <a:pt x="746887" y="0"/>
-                </a:moveTo>
-                <a:lnTo>
-                  <a:pt x="0" y="580009"/>
                 </a:lnTo>
               </a:path>
             </a:pathLst>
@@ -6886,369 +6960,6 @@
                 </a:lnTo>
                 <a:lnTo>
                   <a:pt x="2856230" y="6350"/>
-                </a:lnTo>
-                <a:close/>
-              </a:path>
-            </a:pathLst>
-          </a:custGeom>
-          <a:solidFill>
-            <a:srgbClr val="000000"/>
-          </a:solidFill>
-        </p:spPr>
-        <p:txBody>
-          <a:bodyPr wrap="square" lIns="0" tIns="0" rIns="0" bIns="0" rtlCol="0"/>
-          <a:lstStyle/>
-          <a:p>
-            <a:endParaRPr/>
-          </a:p>
-        </p:txBody>
-      </p:sp>
-      <p:graphicFrame>
-        <p:nvGraphicFramePr>
-          <p:cNvPr id="14" name="object 14"/>
-          <p:cNvGraphicFramePr>
-            <a:graphicFrameLocks noGrp="1"/>
-          </p:cNvGraphicFramePr>
-          <p:nvPr/>
-        </p:nvGraphicFramePr>
-        <p:xfrm>
-          <a:off x="8457565" y="739266"/>
-          <a:ext cx="1343025" cy="822959"/>
-        </p:xfrm>
-        <a:graphic>
-          <a:graphicData uri="http://schemas.openxmlformats.org/drawingml/2006/table">
-            <a:tbl>
-              <a:tblPr firstRow="1" bandRow="1">
-                <a:tableStyleId>{2D5ABB26-0587-4C30-8999-92F81FD0307C}</a:tableStyleId>
-              </a:tblPr>
-              <a:tblGrid>
-                <a:gridCol w="1343025">
-                  <a:extLst>
-                    <a:ext uri="{9D8B030D-6E8A-4147-A177-3AD203B41FA5}">
-                      <a16:colId xmlns:a16="http://schemas.microsoft.com/office/drawing/2014/main" val="20000"/>
-                    </a:ext>
-                  </a:extLst>
-                </a:gridCol>
-              </a:tblGrid>
-              <a:tr h="304800">
-                <a:tc>
-                  <a:txBody>
-                    <a:bodyPr/>
-                    <a:lstStyle/>
-                    <a:p>
-                      <a:pPr marL="179705">
-                        <a:lnSpc>
-                          <a:spcPct val="100000"/>
-                        </a:lnSpc>
-                        <a:spcBef>
-                          <a:spcPts val="315"/>
-                        </a:spcBef>
-                      </a:pPr>
-                      <a:r>
-                        <a:rPr sz="1400" spc="-10" dirty="0">
-                          <a:latin typeface="Times New Roman"/>
-                          <a:cs typeface="Times New Roman"/>
-                        </a:rPr>
-                        <a:t>LectureDetail</a:t>
-                      </a:r>
-                      <a:endParaRPr sz="1400">
-                        <a:latin typeface="Times New Roman"/>
-                        <a:cs typeface="Times New Roman"/>
-                      </a:endParaRPr>
-                    </a:p>
-                  </a:txBody>
-                  <a:tcPr marL="0" marR="0" marT="40005" marB="0">
-                    <a:lnL w="12700">
-                      <a:solidFill>
-                        <a:srgbClr val="000000"/>
-                      </a:solidFill>
-                      <a:prstDash val="solid"/>
-                    </a:lnL>
-                    <a:lnR w="12700">
-                      <a:solidFill>
-                        <a:srgbClr val="000000"/>
-                      </a:solidFill>
-                      <a:prstDash val="solid"/>
-                    </a:lnR>
-                    <a:lnT w="12700">
-                      <a:solidFill>
-                        <a:srgbClr val="000000"/>
-                      </a:solidFill>
-                      <a:prstDash val="solid"/>
-                    </a:lnT>
-                    <a:lnB w="12700">
-                      <a:solidFill>
-                        <a:srgbClr val="000000"/>
-                      </a:solidFill>
-                      <a:prstDash val="solid"/>
-                    </a:lnB>
-                    <a:solidFill>
-                      <a:srgbClr val="DAE2F3"/>
-                    </a:solidFill>
-                  </a:tcPr>
-                </a:tc>
-                <a:extLst>
-                  <a:ext uri="{0D108BD9-81ED-4DB2-BD59-A6C34878D82A}">
-                    <a16:rowId xmlns:a16="http://schemas.microsoft.com/office/drawing/2014/main" val="10000"/>
-                  </a:ext>
-                </a:extLst>
-              </a:tr>
-              <a:tr h="518159">
-                <a:tc>
-                  <a:txBody>
-                    <a:bodyPr/>
-                    <a:lstStyle/>
-                    <a:p>
-                      <a:pPr marL="92075" marR="299720">
-                        <a:lnSpc>
-                          <a:spcPct val="100000"/>
-                        </a:lnSpc>
-                        <a:spcBef>
-                          <a:spcPts val="270"/>
-                        </a:spcBef>
-                      </a:pPr>
-                      <a:r>
-                        <a:rPr sz="1400" i="1" u="sng" spc="-10" dirty="0">
-                          <a:uFill>
-                            <a:solidFill>
-                              <a:srgbClr val="000000"/>
-                            </a:solidFill>
-                          </a:uFill>
-                          <a:latin typeface="Calibri"/>
-                          <a:cs typeface="Calibri"/>
-                        </a:rPr>
-                        <a:t>instructor_id</a:t>
-                      </a:r>
-                      <a:r>
-                        <a:rPr sz="1400" i="1" spc="-10" dirty="0">
-                          <a:latin typeface="Calibri"/>
-                          <a:cs typeface="Calibri"/>
-                        </a:rPr>
-                        <a:t> </a:t>
-                      </a:r>
-                      <a:r>
-                        <a:rPr sz="1400" i="1" u="sng" spc="-10" dirty="0">
-                          <a:uFill>
-                            <a:solidFill>
-                              <a:srgbClr val="000000"/>
-                            </a:solidFill>
-                          </a:uFill>
-                          <a:latin typeface="Calibri"/>
-                          <a:cs typeface="Calibri"/>
-                        </a:rPr>
-                        <a:t>section_code</a:t>
-                      </a:r>
-                      <a:endParaRPr sz="1400">
-                        <a:latin typeface="Calibri"/>
-                        <a:cs typeface="Calibri"/>
-                      </a:endParaRPr>
-                    </a:p>
-                  </a:txBody>
-                  <a:tcPr marL="0" marR="0" marT="34290" marB="0">
-                    <a:lnL w="12700">
-                      <a:solidFill>
-                        <a:srgbClr val="000000"/>
-                      </a:solidFill>
-                      <a:prstDash val="solid"/>
-                    </a:lnL>
-                    <a:lnR w="12700">
-                      <a:solidFill>
-                        <a:srgbClr val="000000"/>
-                      </a:solidFill>
-                      <a:prstDash val="solid"/>
-                    </a:lnR>
-                    <a:lnT w="12700">
-                      <a:solidFill>
-                        <a:srgbClr val="000000"/>
-                      </a:solidFill>
-                      <a:prstDash val="solid"/>
-                    </a:lnT>
-                    <a:lnB w="12700">
-                      <a:solidFill>
-                        <a:srgbClr val="000000"/>
-                      </a:solidFill>
-                      <a:prstDash val="solid"/>
-                    </a:lnB>
-                  </a:tcPr>
-                </a:tc>
-                <a:extLst>
-                  <a:ext uri="{0D108BD9-81ED-4DB2-BD59-A6C34878D82A}">
-                    <a16:rowId xmlns:a16="http://schemas.microsoft.com/office/drawing/2014/main" val="10001"/>
-                  </a:ext>
-                </a:extLst>
-              </a:tr>
-            </a:tbl>
-          </a:graphicData>
-        </a:graphic>
-      </p:graphicFrame>
-      <p:sp>
-        <p:nvSpPr>
-          <p:cNvPr id="15" name="object 15"/>
-          <p:cNvSpPr/>
-          <p:nvPr/>
-        </p:nvSpPr>
-        <p:spPr>
-          <a:xfrm>
-            <a:off x="9806940" y="1217422"/>
-            <a:ext cx="304800" cy="2152650"/>
-          </a:xfrm>
-          <a:custGeom>
-            <a:avLst/>
-            <a:gdLst/>
-            <a:ahLst/>
-            <a:cxnLst/>
-            <a:rect l="l" t="t" r="r" b="b"/>
-            <a:pathLst>
-              <a:path w="304800" h="2152650">
-                <a:moveTo>
-                  <a:pt x="145923" y="2076195"/>
-                </a:moveTo>
-                <a:lnTo>
-                  <a:pt x="69723" y="2114295"/>
-                </a:lnTo>
-                <a:lnTo>
-                  <a:pt x="145923" y="2152395"/>
-                </a:lnTo>
-                <a:lnTo>
-                  <a:pt x="145923" y="2120645"/>
-                </a:lnTo>
-                <a:lnTo>
-                  <a:pt x="133223" y="2120645"/>
-                </a:lnTo>
-                <a:lnTo>
-                  <a:pt x="133223" y="2107945"/>
-                </a:lnTo>
-                <a:lnTo>
-                  <a:pt x="145923" y="2107945"/>
-                </a:lnTo>
-                <a:lnTo>
-                  <a:pt x="145923" y="2076195"/>
-                </a:lnTo>
-                <a:close/>
-              </a:path>
-              <a:path w="304800" h="2152650">
-                <a:moveTo>
-                  <a:pt x="145923" y="2107945"/>
-                </a:moveTo>
-                <a:lnTo>
-                  <a:pt x="133223" y="2107945"/>
-                </a:lnTo>
-                <a:lnTo>
-                  <a:pt x="133223" y="2120645"/>
-                </a:lnTo>
-                <a:lnTo>
-                  <a:pt x="145923" y="2120645"/>
-                </a:lnTo>
-                <a:lnTo>
-                  <a:pt x="145923" y="2107945"/>
-                </a:lnTo>
-                <a:close/>
-              </a:path>
-              <a:path w="304800" h="2152650">
-                <a:moveTo>
-                  <a:pt x="291973" y="2107945"/>
-                </a:moveTo>
-                <a:lnTo>
-                  <a:pt x="145923" y="2107945"/>
-                </a:lnTo>
-                <a:lnTo>
-                  <a:pt x="145923" y="2120645"/>
-                </a:lnTo>
-                <a:lnTo>
-                  <a:pt x="304673" y="2120645"/>
-                </a:lnTo>
-                <a:lnTo>
-                  <a:pt x="304673" y="2114295"/>
-                </a:lnTo>
-                <a:lnTo>
-                  <a:pt x="291973" y="2114295"/>
-                </a:lnTo>
-                <a:lnTo>
-                  <a:pt x="291973" y="2107945"/>
-                </a:lnTo>
-                <a:close/>
-              </a:path>
-              <a:path w="304800" h="2152650">
-                <a:moveTo>
-                  <a:pt x="291973" y="6350"/>
-                </a:moveTo>
-                <a:lnTo>
-                  <a:pt x="291973" y="2114295"/>
-                </a:lnTo>
-                <a:lnTo>
-                  <a:pt x="298323" y="2107945"/>
-                </a:lnTo>
-                <a:lnTo>
-                  <a:pt x="304673" y="2107945"/>
-                </a:lnTo>
-                <a:lnTo>
-                  <a:pt x="304673" y="12700"/>
-                </a:lnTo>
-                <a:lnTo>
-                  <a:pt x="298323" y="12700"/>
-                </a:lnTo>
-                <a:lnTo>
-                  <a:pt x="291973" y="6350"/>
-                </a:lnTo>
-                <a:close/>
-              </a:path>
-              <a:path w="304800" h="2152650">
-                <a:moveTo>
-                  <a:pt x="304673" y="2107945"/>
-                </a:moveTo>
-                <a:lnTo>
-                  <a:pt x="298323" y="2107945"/>
-                </a:lnTo>
-                <a:lnTo>
-                  <a:pt x="291973" y="2114295"/>
-                </a:lnTo>
-                <a:lnTo>
-                  <a:pt x="304673" y="2114295"/>
-                </a:lnTo>
-                <a:lnTo>
-                  <a:pt x="304673" y="2107945"/>
-                </a:lnTo>
-                <a:close/>
-              </a:path>
-              <a:path w="304800" h="2152650">
-                <a:moveTo>
-                  <a:pt x="304673" y="0"/>
-                </a:moveTo>
-                <a:lnTo>
-                  <a:pt x="0" y="0"/>
-                </a:lnTo>
-                <a:lnTo>
-                  <a:pt x="0" y="12700"/>
-                </a:lnTo>
-                <a:lnTo>
-                  <a:pt x="291973" y="12700"/>
-                </a:lnTo>
-                <a:lnTo>
-                  <a:pt x="291973" y="6350"/>
-                </a:lnTo>
-                <a:lnTo>
-                  <a:pt x="304673" y="6350"/>
-                </a:lnTo>
-                <a:lnTo>
-                  <a:pt x="304673" y="0"/>
-                </a:lnTo>
-                <a:close/>
-              </a:path>
-              <a:path w="304800" h="2152650">
-                <a:moveTo>
-                  <a:pt x="304673" y="6350"/>
-                </a:moveTo>
-                <a:lnTo>
-                  <a:pt x="291973" y="6350"/>
-                </a:lnTo>
-                <a:lnTo>
-                  <a:pt x="298323" y="12700"/>
-                </a:lnTo>
-                <a:lnTo>
-                  <a:pt x="304673" y="12700"/>
-                </a:lnTo>
-                <a:lnTo>
-                  <a:pt x="304673" y="6350"/>
                 </a:lnTo>
                 <a:close/>
               </a:path>
